--- a/session-1/session-1.pptx
+++ b/session-1/session-1.pptx
@@ -14,10 +14,10 @@
     <p:sldId id="271" r:id="rId8"/>
     <p:sldId id="298" r:id="rId9"/>
     <p:sldId id="349" r:id="rId10"/>
-    <p:sldId id="321" r:id="rId11"/>
-    <p:sldId id="327" r:id="rId12"/>
-    <p:sldId id="328" r:id="rId13"/>
-    <p:sldId id="329" r:id="rId14"/>
+    <p:sldId id="327" r:id="rId11"/>
+    <p:sldId id="348" r:id="rId12"/>
+    <p:sldId id="329" r:id="rId13"/>
+    <p:sldId id="328" r:id="rId14"/>
     <p:sldId id="294" r:id="rId15"/>
     <p:sldId id="299" r:id="rId16"/>
     <p:sldId id="300" r:id="rId17"/>
@@ -31,24 +31,22 @@
     <p:sldId id="323" r:id="rId25"/>
     <p:sldId id="325" r:id="rId26"/>
     <p:sldId id="310" r:id="rId27"/>
-    <p:sldId id="348" r:id="rId28"/>
+    <p:sldId id="332" r:id="rId28"/>
     <p:sldId id="343" r:id="rId29"/>
-    <p:sldId id="332" r:id="rId30"/>
-    <p:sldId id="340" r:id="rId31"/>
-    <p:sldId id="344" r:id="rId32"/>
-    <p:sldId id="335" r:id="rId33"/>
-    <p:sldId id="341" r:id="rId34"/>
-    <p:sldId id="330" r:id="rId35"/>
-    <p:sldId id="337" r:id="rId36"/>
-    <p:sldId id="339" r:id="rId37"/>
-    <p:sldId id="345" r:id="rId38"/>
-    <p:sldId id="336" r:id="rId39"/>
-    <p:sldId id="342" r:id="rId40"/>
-    <p:sldId id="331" r:id="rId41"/>
-    <p:sldId id="338" r:id="rId42"/>
-    <p:sldId id="333" r:id="rId43"/>
-    <p:sldId id="334" r:id="rId44"/>
-    <p:sldId id="346" r:id="rId45"/>
+    <p:sldId id="340" r:id="rId30"/>
+    <p:sldId id="344" r:id="rId31"/>
+    <p:sldId id="335" r:id="rId32"/>
+    <p:sldId id="341" r:id="rId33"/>
+    <p:sldId id="330" r:id="rId34"/>
+    <p:sldId id="337" r:id="rId35"/>
+    <p:sldId id="339" r:id="rId36"/>
+    <p:sldId id="345" r:id="rId37"/>
+    <p:sldId id="336" r:id="rId38"/>
+    <p:sldId id="342" r:id="rId39"/>
+    <p:sldId id="331" r:id="rId40"/>
+    <p:sldId id="338" r:id="rId41"/>
+    <p:sldId id="333" r:id="rId42"/>
+    <p:sldId id="334" r:id="rId43"/>
   </p:sldIdLst>
   <p:sldSz cx="12192000" cy="6858000"/>
   <p:notesSz cx="6858000" cy="9144000"/>
@@ -147,6 +145,11 @@
       </a:defRPr>
     </a:lvl9pPr>
   </p:defaultTextStyle>
+  <p:extLst>
+    <p:ext uri="{EFAFB233-063F-42B5-8137-9DF3F51BA10A}">
+      <p15:sldGuideLst xmlns:p15="http://schemas.microsoft.com/office/powerpoint/2012/main"/>
+    </p:ext>
+  </p:extLst>
 </p:presentation>
 </file>
 
@@ -1432,12 +1435,12 @@
     <dgm:cxn modelId="{D9731711-8A4A-A944-9CAC-8AB97014E818}" type="presOf" srcId="{19E9CA83-5181-4363-8BFB-2F2454CA9235}" destId="{AD6312FF-126C-F64A-A9C5-FCDAA7323DEB}" srcOrd="0" destOrd="3" presId="urn:microsoft.com/office/officeart/2016/7/layout/LinearBlockProcessNumbered"/>
     <dgm:cxn modelId="{A3022719-0259-0748-A632-ACB26BE7E2E2}" type="presOf" srcId="{DE743812-9D35-457C-ACF4-7741165DB38A}" destId="{AD6312FF-126C-F64A-A9C5-FCDAA7323DEB}" srcOrd="0" destOrd="4" presId="urn:microsoft.com/office/officeart/2016/7/layout/LinearBlockProcessNumbered"/>
     <dgm:cxn modelId="{0C601F49-AEC3-C046-A91C-F20218DE4E72}" type="presOf" srcId="{249BE3F8-E85F-4990-BDFA-DE45C68BB1A5}" destId="{43B0A632-BE68-AF42-86F9-389F5B74889D}" srcOrd="1" destOrd="0" presId="urn:microsoft.com/office/officeart/2016/7/layout/LinearBlockProcessNumbered"/>
+    <dgm:cxn modelId="{84587151-36D3-DB4D-BF39-237B0B423B55}" type="presOf" srcId="{35F59610-0380-40C8-8837-87776BC86AF1}" destId="{BD8BBA98-89AA-794F-89D2-2D763C90B5ED}" srcOrd="0" destOrd="3" presId="urn:microsoft.com/office/officeart/2016/7/layout/LinearBlockProcessNumbered"/>
+    <dgm:cxn modelId="{F20F6959-4065-204E-8BF6-9B55982802A9}" type="presOf" srcId="{B31CF520-A66A-4776-85E4-69ADEB545989}" destId="{AD6312FF-126C-F64A-A9C5-FCDAA7323DEB}" srcOrd="1" destOrd="0" presId="urn:microsoft.com/office/officeart/2016/7/layout/LinearBlockProcessNumbered"/>
     <dgm:cxn modelId="{EBCA156B-22EF-844F-97A0-77DBD1C3D48E}" type="presOf" srcId="{160DD07F-8520-4FE5-8BA4-3B964DA9DA09}" destId="{BD8BBA98-89AA-794F-89D2-2D763C90B5ED}" srcOrd="0" destOrd="2" presId="urn:microsoft.com/office/officeart/2016/7/layout/LinearBlockProcessNumbered"/>
     <dgm:cxn modelId="{FA29A26E-3EA0-48E2-94C8-BEEF98E1BE35}" srcId="{B31CF520-A66A-4776-85E4-69ADEB545989}" destId="{8A80CA3F-5E22-4D96-996E-12F6FD4B6931}" srcOrd="4" destOrd="0" parTransId="{D18ACA7D-35EE-4E54-B3E6-FF4E24A9CFC2}" sibTransId="{75C9907E-85F5-4F4F-9F36-AE3FA769153D}"/>
-    <dgm:cxn modelId="{84587151-36D3-DB4D-BF39-237B0B423B55}" type="presOf" srcId="{35F59610-0380-40C8-8837-87776BC86AF1}" destId="{BD8BBA98-89AA-794F-89D2-2D763C90B5ED}" srcOrd="0" destOrd="3" presId="urn:microsoft.com/office/officeart/2016/7/layout/LinearBlockProcessNumbered"/>
     <dgm:cxn modelId="{1994E177-6510-46A0-B669-D8A4FF959F54}" srcId="{E46ECE65-FA79-4733-BC0F-A599BA000F03}" destId="{7260A9C2-A033-4066-8415-88D0A1A88069}" srcOrd="0" destOrd="0" parTransId="{2D64A932-83C0-4FAF-B7D8-C889DB0B439A}" sibTransId="{079A792D-AED1-4BAB-9DF0-D4C29DA5F643}"/>
     <dgm:cxn modelId="{F0D10478-84FD-8C4B-8134-93EE57DAC161}" type="presOf" srcId="{2A6A4871-2641-4431-864D-D3404B80FBE9}" destId="{AD6312FF-126C-F64A-A9C5-FCDAA7323DEB}" srcOrd="0" destOrd="2" presId="urn:microsoft.com/office/officeart/2016/7/layout/LinearBlockProcessNumbered"/>
-    <dgm:cxn modelId="{F20F6959-4065-204E-8BF6-9B55982802A9}" type="presOf" srcId="{B31CF520-A66A-4776-85E4-69ADEB545989}" destId="{AD6312FF-126C-F64A-A9C5-FCDAA7323DEB}" srcOrd="1" destOrd="0" presId="urn:microsoft.com/office/officeart/2016/7/layout/LinearBlockProcessNumbered"/>
     <dgm:cxn modelId="{82CF6F79-8E06-CB4C-AD20-9403122BC43F}" type="presOf" srcId="{D1EAC1FE-88E6-48F5-9EDC-0F46E5CD767E}" destId="{AD6312FF-126C-F64A-A9C5-FCDAA7323DEB}" srcOrd="0" destOrd="1" presId="urn:microsoft.com/office/officeart/2016/7/layout/LinearBlockProcessNumbered"/>
     <dgm:cxn modelId="{EFDFE17C-D2B7-FC48-8B3E-406135E02601}" type="presOf" srcId="{E46ECE65-FA79-4733-BC0F-A599BA000F03}" destId="{9E669F29-4CAC-9B44-BA01-AA5C0A3D402E}" srcOrd="0" destOrd="0" presId="urn:microsoft.com/office/officeart/2016/7/layout/LinearBlockProcessNumbered"/>
     <dgm:cxn modelId="{1A235185-7C3B-4DB8-B8C0-295290BDB27B}" srcId="{B31CF520-A66A-4776-85E4-69ADEB545989}" destId="{D1EAC1FE-88E6-48F5-9EDC-0F46E5CD767E}" srcOrd="0" destOrd="0" parTransId="{49D23FA9-1AC3-45A6-A516-3CCEAF70F69B}" sibTransId="{F7CC0916-F754-4324-B2D6-DCF4F1419D2D}"/>
@@ -3514,7 +3517,7 @@
           <a:p>
             <a:fld id="{4EF09EDD-FF1C-48AF-A58B-AF6401779CF7}" type="datetimeFigureOut">
               <a:rPr lang="en-US" smtClean="0"/>
-              <a:t>10/26/2022</a:t>
+              <a:t>10/27/22</a:t>
             </a:fld>
             <a:endParaRPr lang="en-US"/>
           </a:p>
@@ -3712,7 +3715,7 @@
           <a:p>
             <a:fld id="{4EF09EDD-FF1C-48AF-A58B-AF6401779CF7}" type="datetimeFigureOut">
               <a:rPr lang="en-US" smtClean="0"/>
-              <a:t>10/26/2022</a:t>
+              <a:t>10/27/22</a:t>
             </a:fld>
             <a:endParaRPr lang="en-US"/>
           </a:p>
@@ -3920,7 +3923,7 @@
           <a:p>
             <a:fld id="{4EF09EDD-FF1C-48AF-A58B-AF6401779CF7}" type="datetimeFigureOut">
               <a:rPr lang="en-US" smtClean="0"/>
-              <a:t>10/26/2022</a:t>
+              <a:t>10/27/22</a:t>
             </a:fld>
             <a:endParaRPr lang="en-US"/>
           </a:p>
@@ -4142,7 +4145,7 @@
           <a:p>
             <a:fld id="{11D84505-03DB-1D4F-A4A3-607788BEDF83}" type="datetimeFigureOut">
               <a:rPr lang="en-US" smtClean="0"/>
-              <a:t>10/26/2022</a:t>
+              <a:t>10/27/22</a:t>
             </a:fld>
             <a:endParaRPr lang="en-US"/>
           </a:p>
@@ -4342,7 +4345,7 @@
           <a:p>
             <a:fld id="{11D84505-03DB-1D4F-A4A3-607788BEDF83}" type="datetimeFigureOut">
               <a:rPr lang="en-US" smtClean="0"/>
-              <a:t>10/26/2022</a:t>
+              <a:t>10/27/22</a:t>
             </a:fld>
             <a:endParaRPr lang="en-US"/>
           </a:p>
@@ -4618,7 +4621,7 @@
           <a:p>
             <a:fld id="{11D84505-03DB-1D4F-A4A3-607788BEDF83}" type="datetimeFigureOut">
               <a:rPr lang="en-US" smtClean="0"/>
-              <a:t>10/26/2022</a:t>
+              <a:t>10/27/22</a:t>
             </a:fld>
             <a:endParaRPr lang="en-US"/>
           </a:p>
@@ -4886,7 +4889,7 @@
           <a:p>
             <a:fld id="{11D84505-03DB-1D4F-A4A3-607788BEDF83}" type="datetimeFigureOut">
               <a:rPr lang="en-US" smtClean="0"/>
-              <a:t>10/26/2022</a:t>
+              <a:t>10/27/22</a:t>
             </a:fld>
             <a:endParaRPr lang="en-US"/>
           </a:p>
@@ -5301,7 +5304,7 @@
           <a:p>
             <a:fld id="{11D84505-03DB-1D4F-A4A3-607788BEDF83}" type="datetimeFigureOut">
               <a:rPr lang="en-US" smtClean="0"/>
-              <a:t>10/26/2022</a:t>
+              <a:t>10/27/22</a:t>
             </a:fld>
             <a:endParaRPr lang="en-US"/>
           </a:p>
@@ -5443,7 +5446,7 @@
           <a:p>
             <a:fld id="{11D84505-03DB-1D4F-A4A3-607788BEDF83}" type="datetimeFigureOut">
               <a:rPr lang="en-US" smtClean="0"/>
-              <a:t>10/26/2022</a:t>
+              <a:t>10/27/22</a:t>
             </a:fld>
             <a:endParaRPr lang="en-US"/>
           </a:p>
@@ -5556,7 +5559,7 @@
           <a:p>
             <a:fld id="{11D84505-03DB-1D4F-A4A3-607788BEDF83}" type="datetimeFigureOut">
               <a:rPr lang="en-US" smtClean="0"/>
-              <a:t>10/26/2022</a:t>
+              <a:t>10/27/22</a:t>
             </a:fld>
             <a:endParaRPr lang="en-US"/>
           </a:p>
@@ -5869,7 +5872,7 @@
           <a:p>
             <a:fld id="{11D84505-03DB-1D4F-A4A3-607788BEDF83}" type="datetimeFigureOut">
               <a:rPr lang="en-US" smtClean="0"/>
-              <a:t>10/26/2022</a:t>
+              <a:t>10/27/22</a:t>
             </a:fld>
             <a:endParaRPr lang="en-US"/>
           </a:p>
@@ -6067,7 +6070,7 @@
           <a:p>
             <a:fld id="{4EF09EDD-FF1C-48AF-A58B-AF6401779CF7}" type="datetimeFigureOut">
               <a:rPr lang="en-US" smtClean="0"/>
-              <a:t>10/26/2022</a:t>
+              <a:t>10/27/22</a:t>
             </a:fld>
             <a:endParaRPr lang="en-US"/>
           </a:p>
@@ -6356,7 +6359,7 @@
           <a:p>
             <a:fld id="{11D84505-03DB-1D4F-A4A3-607788BEDF83}" type="datetimeFigureOut">
               <a:rPr lang="en-US" smtClean="0"/>
-              <a:t>10/26/2022</a:t>
+              <a:t>10/27/22</a:t>
             </a:fld>
             <a:endParaRPr lang="en-US"/>
           </a:p>
@@ -6556,7 +6559,7 @@
           <a:p>
             <a:fld id="{11D84505-03DB-1D4F-A4A3-607788BEDF83}" type="datetimeFigureOut">
               <a:rPr lang="en-US" smtClean="0"/>
-              <a:t>10/26/2022</a:t>
+              <a:t>10/27/22</a:t>
             </a:fld>
             <a:endParaRPr lang="en-US"/>
           </a:p>
@@ -6766,7 +6769,7 @@
           <a:p>
             <a:fld id="{11D84505-03DB-1D4F-A4A3-607788BEDF83}" type="datetimeFigureOut">
               <a:rPr lang="en-US" smtClean="0"/>
-              <a:t>10/26/2022</a:t>
+              <a:t>10/27/22</a:t>
             </a:fld>
             <a:endParaRPr lang="en-US"/>
           </a:p>
@@ -7041,7 +7044,7 @@
           <a:p>
             <a:fld id="{4EF09EDD-FF1C-48AF-A58B-AF6401779CF7}" type="datetimeFigureOut">
               <a:rPr lang="en-US" smtClean="0"/>
-              <a:t>10/26/2022</a:t>
+              <a:t>10/27/22</a:t>
             </a:fld>
             <a:endParaRPr lang="en-US"/>
           </a:p>
@@ -7306,7 +7309,7 @@
           <a:p>
             <a:fld id="{4EF09EDD-FF1C-48AF-A58B-AF6401779CF7}" type="datetimeFigureOut">
               <a:rPr lang="en-US" smtClean="0"/>
-              <a:t>10/26/2022</a:t>
+              <a:t>10/27/22</a:t>
             </a:fld>
             <a:endParaRPr lang="en-US"/>
           </a:p>
@@ -7718,7 +7721,7 @@
           <a:p>
             <a:fld id="{4EF09EDD-FF1C-48AF-A58B-AF6401779CF7}" type="datetimeFigureOut">
               <a:rPr lang="en-US" smtClean="0"/>
-              <a:t>10/26/2022</a:t>
+              <a:t>10/27/22</a:t>
             </a:fld>
             <a:endParaRPr lang="en-US"/>
           </a:p>
@@ -7859,7 +7862,7 @@
           <a:p>
             <a:fld id="{4EF09EDD-FF1C-48AF-A58B-AF6401779CF7}" type="datetimeFigureOut">
               <a:rPr lang="en-US" smtClean="0"/>
-              <a:t>10/26/2022</a:t>
+              <a:t>10/27/22</a:t>
             </a:fld>
             <a:endParaRPr lang="en-US"/>
           </a:p>
@@ -7972,7 +7975,7 @@
           <a:p>
             <a:fld id="{4EF09EDD-FF1C-48AF-A58B-AF6401779CF7}" type="datetimeFigureOut">
               <a:rPr lang="en-US" smtClean="0"/>
-              <a:t>10/26/2022</a:t>
+              <a:t>10/27/22</a:t>
             </a:fld>
             <a:endParaRPr lang="en-US"/>
           </a:p>
@@ -8283,7 +8286,7 @@
           <a:p>
             <a:fld id="{4EF09EDD-FF1C-48AF-A58B-AF6401779CF7}" type="datetimeFigureOut">
               <a:rPr lang="en-US" smtClean="0"/>
-              <a:t>10/26/2022</a:t>
+              <a:t>10/27/22</a:t>
             </a:fld>
             <a:endParaRPr lang="en-US"/>
           </a:p>
@@ -8571,7 +8574,7 @@
           <a:p>
             <a:fld id="{4EF09EDD-FF1C-48AF-A58B-AF6401779CF7}" type="datetimeFigureOut">
               <a:rPr lang="en-US" smtClean="0"/>
-              <a:t>10/26/2022</a:t>
+              <a:t>10/27/22</a:t>
             </a:fld>
             <a:endParaRPr lang="en-US"/>
           </a:p>
@@ -8812,7 +8815,7 @@
           <a:p>
             <a:fld id="{4EF09EDD-FF1C-48AF-A58B-AF6401779CF7}" type="datetimeFigureOut">
               <a:rPr lang="en-US" smtClean="0"/>
-              <a:t>10/26/2022</a:t>
+              <a:t>10/27/22</a:t>
             </a:fld>
             <a:endParaRPr lang="en-US"/>
           </a:p>
@@ -9382,7 +9385,7 @@
           <a:p>
             <a:fld id="{11D84505-03DB-1D4F-A4A3-607788BEDF83}" type="datetimeFigureOut">
               <a:rPr lang="en-US" smtClean="0"/>
-              <a:t>10/26/2022</a:t>
+              <a:t>10/27/22</a:t>
             </a:fld>
             <a:endParaRPr lang="en-US"/>
           </a:p>
@@ -9885,12 +9888,40 @@
           <a:chExt cx="0" cy="0"/>
         </a:xfrm>
       </p:grpSpPr>
+      <p:sp>
+        <p:nvSpPr>
+          <p:cNvPr id="2" name="Title 1">
+            <a:extLst>
+              <a:ext uri="{FF2B5EF4-FFF2-40B4-BE49-F238E27FC236}">
+                <a16:creationId xmlns:a16="http://schemas.microsoft.com/office/drawing/2014/main" id="{4AE3B729-B72A-9226-6439-3EA3808D0C88}"/>
+              </a:ext>
+            </a:extLst>
+          </p:cNvPr>
+          <p:cNvSpPr>
+            <a:spLocks noGrp="1"/>
+          </p:cNvSpPr>
+          <p:nvPr>
+            <p:ph type="title"/>
+          </p:nvPr>
+        </p:nvSpPr>
+        <p:spPr/>
+        <p:txBody>
+          <a:bodyPr/>
+          <a:lstStyle/>
+          <a:p>
+            <a:r>
+              <a:rPr lang="en-US" dirty="0"/>
+              <a:t>Docker desktop contains a small Kubernetes environment</a:t>
+            </a:r>
+          </a:p>
+        </p:txBody>
+      </p:sp>
       <p:pic>
         <p:nvPicPr>
-          <p:cNvPr id="5" name="Content Placeholder 4" descr="Graphical user interface, application&#10;&#10;Description automatically generated">
-            <a:extLst>
-              <a:ext uri="{FF2B5EF4-FFF2-40B4-BE49-F238E27FC236}">
-                <a16:creationId xmlns:a16="http://schemas.microsoft.com/office/drawing/2014/main" id="{55E0D6DC-1BB8-F17A-C425-EEC203A7B263}"/>
+          <p:cNvPr id="5" name="Content Placeholder 4">
+            <a:extLst>
+              <a:ext uri="{FF2B5EF4-FFF2-40B4-BE49-F238E27FC236}">
+                <a16:creationId xmlns:a16="http://schemas.microsoft.com/office/drawing/2014/main" id="{3C882665-19FC-C6D1-7B71-EEAE9C8ADF64}"/>
               </a:ext>
             </a:extLst>
           </p:cNvPr>
@@ -9901,95 +9932,29 @@
             <p:ph idx="1"/>
           </p:nvPr>
         </p:nvPicPr>
-        <p:blipFill rotWithShape="1">
-          <a:blip r:embed="rId2"/>
-          <a:srcRect t="2337" b="279"/>
-          <a:stretch/>
+        <p:blipFill>
+          <a:blip r:embed="rId2">
+            <a:extLst>
+              <a:ext uri="{28A0092B-C50C-407E-A947-70E740481C1C}">
+                <a14:useLocalDpi xmlns:a14="http://schemas.microsoft.com/office/drawing/2010/main" val="0"/>
+              </a:ext>
+            </a:extLst>
+          </a:blip>
+          <a:stretch>
+            <a:fillRect/>
+          </a:stretch>
         </p:blipFill>
         <p:spPr>
           <a:xfrm>
-            <a:off x="20" y="1282"/>
-            <a:ext cx="12191980" cy="6856718"/>
+            <a:off x="1381197" y="1825625"/>
+            <a:ext cx="9429606" cy="4351338"/>
           </a:xfrm>
-          <a:prstGeom prst="rect">
-            <a:avLst/>
-          </a:prstGeom>
         </p:spPr>
       </p:pic>
-      <p:sp>
-        <p:nvSpPr>
-          <p:cNvPr id="2" name="TextBox 1">
-            <a:extLst>
-              <a:ext uri="{FF2B5EF4-FFF2-40B4-BE49-F238E27FC236}">
-                <a16:creationId xmlns:a16="http://schemas.microsoft.com/office/drawing/2014/main" id="{DCDE7D14-1665-7331-099D-5A897CE2EDA3}"/>
-              </a:ext>
-            </a:extLst>
-          </p:cNvPr>
-          <p:cNvSpPr txBox="1"/>
-          <p:nvPr/>
-        </p:nvSpPr>
-        <p:spPr>
-          <a:xfrm>
-            <a:off x="9929945" y="1862253"/>
-            <a:ext cx="1507529" cy="369332"/>
-          </a:xfrm>
-          <a:prstGeom prst="rect">
-            <a:avLst/>
-          </a:prstGeom>
-          <a:noFill/>
-        </p:spPr>
-        <p:txBody>
-          <a:bodyPr wrap="none" rtlCol="0">
-            <a:spAutoFit/>
-          </a:bodyPr>
-          <a:lstStyle/>
-          <a:p>
-            <a:r>
-              <a:rPr lang="en-US" dirty="0"/>
-              <a:t>Public registry</a:t>
-            </a:r>
-          </a:p>
-        </p:txBody>
-      </p:sp>
-      <p:sp>
-        <p:nvSpPr>
-          <p:cNvPr id="4" name="TextBox 3">
-            <a:extLst>
-              <a:ext uri="{FF2B5EF4-FFF2-40B4-BE49-F238E27FC236}">
-                <a16:creationId xmlns:a16="http://schemas.microsoft.com/office/drawing/2014/main" id="{1191DEB7-3547-A256-0D8B-C73C1D69C90B}"/>
-              </a:ext>
-            </a:extLst>
-          </p:cNvPr>
-          <p:cNvSpPr txBox="1"/>
-          <p:nvPr/>
-        </p:nvSpPr>
-        <p:spPr>
-          <a:xfrm>
-            <a:off x="9865536" y="5709424"/>
-            <a:ext cx="1636345" cy="369332"/>
-          </a:xfrm>
-          <a:prstGeom prst="rect">
-            <a:avLst/>
-          </a:prstGeom>
-          <a:noFill/>
-        </p:spPr>
-        <p:txBody>
-          <a:bodyPr wrap="none" rtlCol="0">
-            <a:spAutoFit/>
-          </a:bodyPr>
-          <a:lstStyle/>
-          <a:p>
-            <a:r>
-              <a:rPr lang="en-US" dirty="0"/>
-              <a:t>Private Registry</a:t>
-            </a:r>
-          </a:p>
-        </p:txBody>
-      </p:sp>
     </p:spTree>
     <p:extLst>
       <p:ext uri="{BB962C8B-B14F-4D97-AF65-F5344CB8AC3E}">
-        <p14:creationId xmlns:p14="http://schemas.microsoft.com/office/powerpoint/2010/main" val="3420003066"/>
+        <p14:creationId xmlns:p14="http://schemas.microsoft.com/office/powerpoint/2010/main" val="727466934"/>
       </p:ext>
     </p:extLst>
   </p:cSld>
@@ -10018,10 +9983,10 @@
       </p:grpSpPr>
       <p:sp>
         <p:nvSpPr>
-          <p:cNvPr id="2" name="Rubrik 1">
-            <a:extLst>
-              <a:ext uri="{FF2B5EF4-FFF2-40B4-BE49-F238E27FC236}">
-                <a16:creationId xmlns:a16="http://schemas.microsoft.com/office/drawing/2014/main" id="{83EEA12E-C98F-4676-8B75-0857DF179FBA}"/>
+          <p:cNvPr id="2" name="Title 1">
+            <a:extLst>
+              <a:ext uri="{FF2B5EF4-FFF2-40B4-BE49-F238E27FC236}">
+                <a16:creationId xmlns:a16="http://schemas.microsoft.com/office/drawing/2014/main" id="{555BA68D-C1B3-6174-BAB4-C9BA92FA800A}"/>
               </a:ext>
             </a:extLst>
           </p:cNvPr>
@@ -10032,61 +9997,145 @@
             <p:ph type="title"/>
           </p:nvPr>
         </p:nvSpPr>
-        <p:spPr/>
-        <p:txBody>
-          <a:bodyPr/>
+        <p:spPr>
+          <a:xfrm>
+            <a:off x="838200" y="585216"/>
+            <a:ext cx="10515600" cy="1325563"/>
+          </a:xfrm>
+        </p:spPr>
+        <p:txBody>
+          <a:bodyPr>
+            <a:normAutofit/>
+          </a:bodyPr>
           <a:lstStyle/>
           <a:p>
-            <a:pPr algn="ctr"/>
-            <a:r>
-              <a:rPr lang="sv-SE" dirty="0" err="1"/>
-              <a:t>Docker</a:t>
-            </a:r>
-            <a:r>
-              <a:rPr lang="sv-SE" dirty="0"/>
-              <a:t> </a:t>
-            </a:r>
-            <a:r>
-              <a:rPr lang="sv-SE" dirty="0" err="1"/>
-              <a:t>Layers</a:t>
-            </a:r>
-            <a:endParaRPr lang="en-SE" dirty="0"/>
-          </a:p>
-        </p:txBody>
-      </p:sp>
-      <p:pic>
-        <p:nvPicPr>
-          <p:cNvPr id="5" name="Platshållare för innehåll 4">
-            <a:extLst>
-              <a:ext uri="{FF2B5EF4-FFF2-40B4-BE49-F238E27FC236}">
-                <a16:creationId xmlns:a16="http://schemas.microsoft.com/office/drawing/2014/main" id="{4C6D47C9-E099-48C6-B1AB-651C3532FA88}"/>
-              </a:ext>
-            </a:extLst>
-          </p:cNvPr>
-          <p:cNvPicPr>
-            <a:picLocks noGrp="1" noChangeAspect="1"/>
-          </p:cNvPicPr>
+            <a:r>
+              <a:rPr lang="en-US">
+                <a:solidFill>
+                  <a:schemeClr val="bg1"/>
+                </a:solidFill>
+              </a:rPr>
+              <a:t>Mankier documentation</a:t>
+            </a:r>
+          </a:p>
+        </p:txBody>
+      </p:sp>
+      <p:sp>
+        <p:nvSpPr>
+          <p:cNvPr id="3" name="Content Placeholder 2">
+            <a:extLst>
+              <a:ext uri="{FF2B5EF4-FFF2-40B4-BE49-F238E27FC236}">
+                <a16:creationId xmlns:a16="http://schemas.microsoft.com/office/drawing/2014/main" id="{905B3CCF-610F-E4E8-E53A-DC690F21E6B5}"/>
+              </a:ext>
+            </a:extLst>
+          </p:cNvPr>
+          <p:cNvSpPr>
+            <a:spLocks noGrp="1"/>
+          </p:cNvSpPr>
           <p:nvPr>
             <p:ph idx="1"/>
           </p:nvPr>
+        </p:nvSpPr>
+        <p:spPr>
+          <a:xfrm>
+            <a:off x="475560" y="2278717"/>
+            <a:ext cx="3937943" cy="4042977"/>
+          </a:xfrm>
+        </p:spPr>
+        <p:txBody>
+          <a:bodyPr anchor="ctr">
+            <a:normAutofit/>
+          </a:bodyPr>
+          <a:lstStyle/>
+          <a:p>
+            <a:r>
+              <a:rPr lang="en-US" sz="2200" dirty="0"/>
+              <a:t>Using </a:t>
+            </a:r>
+            <a:r>
+              <a:rPr lang="en-US" sz="2200" dirty="0">
+                <a:hlinkClick r:id="rId2"/>
+              </a:rPr>
+              <a:t>www.mankier.com</a:t>
+            </a:r>
+            <a:endParaRPr lang="en-US" sz="2200" dirty="0"/>
+          </a:p>
+          <a:p>
+            <a:pPr lvl="1"/>
+            <a:r>
+              <a:rPr lang="en-US" sz="2200" dirty="0"/>
+              <a:t>You can search for almost any command in </a:t>
+            </a:r>
+            <a:r>
+              <a:rPr lang="en-US" sz="2200" dirty="0" err="1"/>
+              <a:t>linux</a:t>
+            </a:r>
+            <a:r>
+              <a:rPr lang="en-US" sz="2200" dirty="0"/>
+              <a:t> and get examples</a:t>
+            </a:r>
+          </a:p>
+          <a:p>
+            <a:pPr lvl="1"/>
+            <a:r>
+              <a:rPr lang="en-US" sz="2200" dirty="0"/>
+              <a:t>Documentation is translated from man pages to readable html5</a:t>
+            </a:r>
+          </a:p>
+          <a:p>
+            <a:pPr lvl="1"/>
+            <a:r>
+              <a:rPr lang="en-US" sz="2200" dirty="0"/>
+              <a:t>You can even use it for docker, </a:t>
+            </a:r>
+            <a:r>
+              <a:rPr lang="en-US" sz="2200" dirty="0" err="1"/>
+              <a:t>openshift</a:t>
+            </a:r>
+            <a:r>
+              <a:rPr lang="en-US" sz="2200" dirty="0"/>
+              <a:t> and many other tools</a:t>
+            </a:r>
+          </a:p>
+          <a:p>
+            <a:endParaRPr lang="en-US" sz="2200" dirty="0"/>
+          </a:p>
+        </p:txBody>
+      </p:sp>
+      <p:pic>
+        <p:nvPicPr>
+          <p:cNvPr id="7" name="Picture 6" descr="Graphical user interface, text, application, email&#10;&#10;Description automatically generated">
+            <a:extLst>
+              <a:ext uri="{FF2B5EF4-FFF2-40B4-BE49-F238E27FC236}">
+                <a16:creationId xmlns:a16="http://schemas.microsoft.com/office/drawing/2014/main" id="{DAD358B4-CBAF-F604-0A65-05AD9E2BBB88}"/>
+              </a:ext>
+            </a:extLst>
+          </p:cNvPr>
+          <p:cNvPicPr>
+            <a:picLocks noChangeAspect="1"/>
+          </p:cNvPicPr>
+          <p:nvPr/>
         </p:nvPicPr>
         <p:blipFill>
-          <a:blip r:embed="rId2"/>
+          <a:blip r:embed="rId3"/>
           <a:stretch>
             <a:fillRect/>
           </a:stretch>
         </p:blipFill>
         <p:spPr>
           <a:xfrm>
-            <a:off x="1371600" y="1825624"/>
-            <a:ext cx="9264091" cy="4504837"/>
+            <a:off x="4581607" y="2278717"/>
+            <a:ext cx="7260974" cy="4265655"/>
           </a:xfrm>
+          <a:prstGeom prst="rect">
+            <a:avLst/>
+          </a:prstGeom>
         </p:spPr>
       </p:pic>
     </p:spTree>
     <p:extLst>
       <p:ext uri="{BB962C8B-B14F-4D97-AF65-F5344CB8AC3E}">
-        <p14:creationId xmlns:p14="http://schemas.microsoft.com/office/powerpoint/2010/main" val="1380739026"/>
+        <p14:creationId xmlns:p14="http://schemas.microsoft.com/office/powerpoint/2010/main" val="2695915985"/>
       </p:ext>
     </p:extLst>
   </p:cSld>
@@ -10115,10 +10164,10 @@
       </p:grpSpPr>
       <p:sp>
         <p:nvSpPr>
-          <p:cNvPr id="2" name="Title 1">
-            <a:extLst>
-              <a:ext uri="{FF2B5EF4-FFF2-40B4-BE49-F238E27FC236}">
-                <a16:creationId xmlns:a16="http://schemas.microsoft.com/office/drawing/2014/main" id="{555BA68D-C1B3-6174-BAB4-C9BA92FA800A}"/>
+          <p:cNvPr id="2" name="Rubrik 1">
+            <a:extLst>
+              <a:ext uri="{FF2B5EF4-FFF2-40B4-BE49-F238E27FC236}">
+                <a16:creationId xmlns:a16="http://schemas.microsoft.com/office/drawing/2014/main" id="{83EEA12E-C98F-4676-8B75-0857DF179FBA}"/>
               </a:ext>
             </a:extLst>
           </p:cNvPr>
@@ -10129,145 +10178,61 @@
             <p:ph type="title"/>
           </p:nvPr>
         </p:nvSpPr>
-        <p:spPr>
-          <a:xfrm>
-            <a:off x="838200" y="585216"/>
-            <a:ext cx="10515600" cy="1325563"/>
-          </a:xfrm>
-        </p:spPr>
-        <p:txBody>
-          <a:bodyPr>
-            <a:normAutofit/>
-          </a:bodyPr>
+        <p:spPr/>
+        <p:txBody>
+          <a:bodyPr/>
           <a:lstStyle/>
           <a:p>
-            <a:r>
-              <a:rPr lang="en-US">
-                <a:solidFill>
-                  <a:schemeClr val="bg1"/>
-                </a:solidFill>
-              </a:rPr>
-              <a:t>Mankier documentation</a:t>
-            </a:r>
-          </a:p>
-        </p:txBody>
-      </p:sp>
-      <p:sp>
-        <p:nvSpPr>
-          <p:cNvPr id="3" name="Content Placeholder 2">
-            <a:extLst>
-              <a:ext uri="{FF2B5EF4-FFF2-40B4-BE49-F238E27FC236}">
-                <a16:creationId xmlns:a16="http://schemas.microsoft.com/office/drawing/2014/main" id="{905B3CCF-610F-E4E8-E53A-DC690F21E6B5}"/>
-              </a:ext>
-            </a:extLst>
-          </p:cNvPr>
-          <p:cNvSpPr>
-            <a:spLocks noGrp="1"/>
-          </p:cNvSpPr>
+            <a:pPr algn="ctr"/>
+            <a:r>
+              <a:rPr lang="sv-SE" dirty="0" err="1"/>
+              <a:t>Docker</a:t>
+            </a:r>
+            <a:r>
+              <a:rPr lang="sv-SE" dirty="0"/>
+              <a:t> </a:t>
+            </a:r>
+            <a:r>
+              <a:rPr lang="sv-SE" dirty="0" err="1"/>
+              <a:t>Layers</a:t>
+            </a:r>
+            <a:endParaRPr lang="en-SE" dirty="0"/>
+          </a:p>
+        </p:txBody>
+      </p:sp>
+      <p:pic>
+        <p:nvPicPr>
+          <p:cNvPr id="5" name="Platshållare för innehåll 4">
+            <a:extLst>
+              <a:ext uri="{FF2B5EF4-FFF2-40B4-BE49-F238E27FC236}">
+                <a16:creationId xmlns:a16="http://schemas.microsoft.com/office/drawing/2014/main" id="{4C6D47C9-E099-48C6-B1AB-651C3532FA88}"/>
+              </a:ext>
+            </a:extLst>
+          </p:cNvPr>
+          <p:cNvPicPr>
+            <a:picLocks noGrp="1" noChangeAspect="1"/>
+          </p:cNvPicPr>
           <p:nvPr>
             <p:ph idx="1"/>
           </p:nvPr>
-        </p:nvSpPr>
-        <p:spPr>
-          <a:xfrm>
-            <a:off x="475560" y="2278717"/>
-            <a:ext cx="3937943" cy="4042977"/>
-          </a:xfrm>
-        </p:spPr>
-        <p:txBody>
-          <a:bodyPr anchor="ctr">
-            <a:normAutofit/>
-          </a:bodyPr>
-          <a:lstStyle/>
-          <a:p>
-            <a:r>
-              <a:rPr lang="en-US" sz="2200" dirty="0"/>
-              <a:t>Using </a:t>
-            </a:r>
-            <a:r>
-              <a:rPr lang="en-US" sz="2200" dirty="0">
-                <a:hlinkClick r:id="rId2"/>
-              </a:rPr>
-              <a:t>www.mankier.com</a:t>
-            </a:r>
-            <a:endParaRPr lang="en-US" sz="2200" dirty="0"/>
-          </a:p>
-          <a:p>
-            <a:pPr lvl="1"/>
-            <a:r>
-              <a:rPr lang="en-US" sz="2200" dirty="0"/>
-              <a:t>You can search for almost any command in </a:t>
-            </a:r>
-            <a:r>
-              <a:rPr lang="en-US" sz="2200" dirty="0" err="1"/>
-              <a:t>linux</a:t>
-            </a:r>
-            <a:r>
-              <a:rPr lang="en-US" sz="2200" dirty="0"/>
-              <a:t> and get examples</a:t>
-            </a:r>
-          </a:p>
-          <a:p>
-            <a:pPr lvl="1"/>
-            <a:r>
-              <a:rPr lang="en-US" sz="2200" dirty="0"/>
-              <a:t>Documentation is translated from man pages to readable html5</a:t>
-            </a:r>
-          </a:p>
-          <a:p>
-            <a:pPr lvl="1"/>
-            <a:r>
-              <a:rPr lang="en-US" sz="2200" dirty="0"/>
-              <a:t>You can even use it for docker, </a:t>
-            </a:r>
-            <a:r>
-              <a:rPr lang="en-US" sz="2200" dirty="0" err="1"/>
-              <a:t>openshift</a:t>
-            </a:r>
-            <a:r>
-              <a:rPr lang="en-US" sz="2200" dirty="0"/>
-              <a:t> and many other tools</a:t>
-            </a:r>
-          </a:p>
-          <a:p>
-            <a:endParaRPr lang="en-US" sz="2200" dirty="0"/>
-          </a:p>
-        </p:txBody>
-      </p:sp>
-      <p:pic>
-        <p:nvPicPr>
-          <p:cNvPr id="7" name="Picture 6" descr="Graphical user interface, text, application, email&#10;&#10;Description automatically generated">
-            <a:extLst>
-              <a:ext uri="{FF2B5EF4-FFF2-40B4-BE49-F238E27FC236}">
-                <a16:creationId xmlns:a16="http://schemas.microsoft.com/office/drawing/2014/main" id="{DAD358B4-CBAF-F604-0A65-05AD9E2BBB88}"/>
-              </a:ext>
-            </a:extLst>
-          </p:cNvPr>
-          <p:cNvPicPr>
-            <a:picLocks noChangeAspect="1"/>
-          </p:cNvPicPr>
-          <p:nvPr/>
         </p:nvPicPr>
         <p:blipFill>
-          <a:blip r:embed="rId3"/>
+          <a:blip r:embed="rId2"/>
           <a:stretch>
             <a:fillRect/>
           </a:stretch>
         </p:blipFill>
         <p:spPr>
           <a:xfrm>
-            <a:off x="4581607" y="2278717"/>
-            <a:ext cx="7260974" cy="4265655"/>
+            <a:off x="1371600" y="1825624"/>
+            <a:ext cx="9264091" cy="4504837"/>
           </a:xfrm>
-          <a:prstGeom prst="rect">
-            <a:avLst/>
-          </a:prstGeom>
         </p:spPr>
       </p:pic>
     </p:spTree>
     <p:extLst>
       <p:ext uri="{BB962C8B-B14F-4D97-AF65-F5344CB8AC3E}">
-        <p14:creationId xmlns:p14="http://schemas.microsoft.com/office/powerpoint/2010/main" val="2695915985"/>
+        <p14:creationId xmlns:p14="http://schemas.microsoft.com/office/powerpoint/2010/main" val="1380739026"/>
       </p:ext>
     </p:extLst>
   </p:cSld>
@@ -14172,7 +14137,7 @@
             </a:r>
             <a:r>
               <a:rPr lang="sv-SE" dirty="0" err="1"/>
-              <a:t>openshift</a:t>
+              <a:t>kubernetes</a:t>
             </a:r>
             <a:r>
               <a:rPr lang="sv-SE" dirty="0"/>
@@ -14223,7 +14188,7 @@
             </a:r>
             <a:r>
               <a:rPr lang="sv-SE" dirty="0" err="1"/>
-              <a:t>oc-run</a:t>
+              <a:t>kubectl-run</a:t>
             </a:r>
             <a:r>
               <a:rPr lang="sv-SE" dirty="0"/>
@@ -14251,7 +14216,7 @@
             </a:r>
             <a:r>
               <a:rPr lang="sv-SE" dirty="0"/>
-              <a:t> </a:t>
+              <a:t> a </a:t>
             </a:r>
             <a:r>
               <a:rPr lang="sv-SE" dirty="0" err="1"/>
@@ -14561,10 +14526,10 @@
       </p:grpSpPr>
       <p:sp>
         <p:nvSpPr>
-          <p:cNvPr id="2" name="Title 1">
-            <a:extLst>
-              <a:ext uri="{FF2B5EF4-FFF2-40B4-BE49-F238E27FC236}">
-                <a16:creationId xmlns:a16="http://schemas.microsoft.com/office/drawing/2014/main" id="{4AE3B729-B72A-9226-6439-3EA3808D0C88}"/>
+          <p:cNvPr id="2" name="Rubrik 1">
+            <a:extLst>
+              <a:ext uri="{FF2B5EF4-FFF2-40B4-BE49-F238E27FC236}">
+                <a16:creationId xmlns:a16="http://schemas.microsoft.com/office/drawing/2014/main" id="{2663D2C8-D1B5-4111-AD94-7E05D81D8C39}"/>
               </a:ext>
             </a:extLst>
           </p:cNvPr>
@@ -14580,52 +14545,250 @@
           <a:bodyPr/>
           <a:lstStyle/>
           <a:p>
-            <a:r>
-              <a:rPr lang="en-US" dirty="0"/>
-              <a:t>Docker desktop contains a small Kubernetes environment</a:t>
-            </a:r>
-          </a:p>
-        </p:txBody>
-      </p:sp>
-      <p:pic>
-        <p:nvPicPr>
-          <p:cNvPr id="5" name="Content Placeholder 4">
-            <a:extLst>
-              <a:ext uri="{FF2B5EF4-FFF2-40B4-BE49-F238E27FC236}">
-                <a16:creationId xmlns:a16="http://schemas.microsoft.com/office/drawing/2014/main" id="{3C882665-19FC-C6D1-7B71-EEAE9C8ADF64}"/>
-              </a:ext>
-            </a:extLst>
-          </p:cNvPr>
-          <p:cNvPicPr>
-            <a:picLocks noGrp="1" noChangeAspect="1"/>
-          </p:cNvPicPr>
+            <a:pPr algn="ctr"/>
+            <a:r>
+              <a:rPr lang="sv-SE" dirty="0"/>
+              <a:t>Kubernetes objects</a:t>
+            </a:r>
+            <a:endParaRPr lang="en-SE" dirty="0"/>
+          </a:p>
+        </p:txBody>
+      </p:sp>
+      <p:sp>
+        <p:nvSpPr>
+          <p:cNvPr id="3" name="Platshållare för innehåll 2">
+            <a:extLst>
+              <a:ext uri="{FF2B5EF4-FFF2-40B4-BE49-F238E27FC236}">
+                <a16:creationId xmlns:a16="http://schemas.microsoft.com/office/drawing/2014/main" id="{6A3F3218-08EE-4331-8519-729E081D8277}"/>
+              </a:ext>
+            </a:extLst>
+          </p:cNvPr>
+          <p:cNvSpPr>
+            <a:spLocks noGrp="1"/>
+          </p:cNvSpPr>
           <p:nvPr>
             <p:ph idx="1"/>
           </p:nvPr>
-        </p:nvPicPr>
-        <p:blipFill>
-          <a:blip r:embed="rId2">
-            <a:extLst>
-              <a:ext uri="{28A0092B-C50C-407E-A947-70E740481C1C}">
-                <a14:useLocalDpi xmlns:a14="http://schemas.microsoft.com/office/drawing/2010/main" val="0"/>
-              </a:ext>
-            </a:extLst>
-          </a:blip>
-          <a:stretch>
-            <a:fillRect/>
-          </a:stretch>
-        </p:blipFill>
-        <p:spPr>
-          <a:xfrm>
-            <a:off x="1381197" y="1825625"/>
-            <a:ext cx="9429606" cy="4351338"/>
-          </a:xfrm>
-        </p:spPr>
-      </p:pic>
+        </p:nvSpPr>
+        <p:spPr/>
+        <p:txBody>
+          <a:bodyPr/>
+          <a:lstStyle/>
+          <a:p>
+            <a:r>
+              <a:rPr lang="sv-SE" dirty="0"/>
+              <a:t>All </a:t>
+            </a:r>
+            <a:r>
+              <a:rPr lang="sv-SE" dirty="0" err="1"/>
+              <a:t>objects</a:t>
+            </a:r>
+            <a:r>
+              <a:rPr lang="sv-SE" dirty="0"/>
+              <a:t> in </a:t>
+            </a:r>
+            <a:r>
+              <a:rPr lang="sv-SE" dirty="0" err="1"/>
+              <a:t>openshift</a:t>
+            </a:r>
+            <a:r>
+              <a:rPr lang="sv-SE" dirty="0"/>
+              <a:t> </a:t>
+            </a:r>
+            <a:r>
+              <a:rPr lang="sv-SE" dirty="0" err="1"/>
+              <a:t>are</a:t>
+            </a:r>
+            <a:r>
+              <a:rPr lang="sv-SE" dirty="0"/>
+              <a:t> </a:t>
+            </a:r>
+            <a:r>
+              <a:rPr lang="sv-SE" dirty="0" err="1"/>
+              <a:t>describe</a:t>
+            </a:r>
+            <a:r>
+              <a:rPr lang="sv-SE" dirty="0"/>
+              <a:t> </a:t>
+            </a:r>
+            <a:r>
+              <a:rPr lang="sv-SE" dirty="0" err="1"/>
+              <a:t>using</a:t>
+            </a:r>
+            <a:r>
+              <a:rPr lang="sv-SE" dirty="0"/>
+              <a:t> </a:t>
+            </a:r>
+            <a:r>
+              <a:rPr lang="sv-SE" dirty="0" err="1"/>
+              <a:t>yaml</a:t>
+            </a:r>
+            <a:r>
+              <a:rPr lang="sv-SE" dirty="0"/>
+              <a:t> or </a:t>
+            </a:r>
+            <a:r>
+              <a:rPr lang="sv-SE" dirty="0" err="1"/>
+              <a:t>json</a:t>
+            </a:r>
+            <a:endParaRPr lang="sv-SE" dirty="0"/>
+          </a:p>
+          <a:p>
+            <a:r>
+              <a:rPr lang="sv-SE" dirty="0" err="1"/>
+              <a:t>Yaml</a:t>
+            </a:r>
+            <a:r>
+              <a:rPr lang="sv-SE" dirty="0"/>
+              <a:t> </a:t>
+            </a:r>
+            <a:r>
+              <a:rPr lang="sv-SE" dirty="0" err="1"/>
+              <a:t>files</a:t>
+            </a:r>
+            <a:r>
+              <a:rPr lang="sv-SE" dirty="0"/>
+              <a:t> </a:t>
+            </a:r>
+            <a:r>
+              <a:rPr lang="sv-SE" dirty="0" err="1"/>
+              <a:t>describes</a:t>
+            </a:r>
+            <a:r>
+              <a:rPr lang="sv-SE" dirty="0"/>
+              <a:t> the </a:t>
+            </a:r>
+            <a:r>
+              <a:rPr lang="sv-SE" dirty="0" err="1"/>
+              <a:t>state</a:t>
+            </a:r>
+            <a:r>
+              <a:rPr lang="sv-SE" dirty="0"/>
+              <a:t>/and </a:t>
+            </a:r>
+            <a:r>
+              <a:rPr lang="sv-SE" dirty="0" err="1"/>
+              <a:t>configuration</a:t>
+            </a:r>
+            <a:r>
+              <a:rPr lang="sv-SE" dirty="0"/>
+              <a:t> </a:t>
+            </a:r>
+            <a:r>
+              <a:rPr lang="sv-SE" dirty="0" err="1"/>
+              <a:t>of</a:t>
+            </a:r>
+            <a:r>
+              <a:rPr lang="sv-SE" dirty="0"/>
+              <a:t> </a:t>
+            </a:r>
+            <a:r>
+              <a:rPr lang="sv-SE" dirty="0" err="1"/>
+              <a:t>our</a:t>
+            </a:r>
+            <a:r>
+              <a:rPr lang="sv-SE" dirty="0"/>
+              <a:t> </a:t>
+            </a:r>
+            <a:r>
+              <a:rPr lang="sv-SE" dirty="0" err="1"/>
+              <a:t>application</a:t>
+            </a:r>
+            <a:endParaRPr lang="sv-SE" dirty="0"/>
+          </a:p>
+          <a:p>
+            <a:r>
+              <a:rPr lang="sv-SE" dirty="0" err="1"/>
+              <a:t>Lets</a:t>
+            </a:r>
+            <a:r>
+              <a:rPr lang="sv-SE" dirty="0"/>
+              <a:t> </a:t>
+            </a:r>
+            <a:r>
+              <a:rPr lang="sv-SE" dirty="0" err="1"/>
+              <a:t>have</a:t>
+            </a:r>
+            <a:r>
+              <a:rPr lang="sv-SE" dirty="0"/>
+              <a:t> a look at a simple </a:t>
+            </a:r>
+            <a:r>
+              <a:rPr lang="sv-SE" dirty="0" err="1"/>
+              <a:t>app</a:t>
+            </a:r>
+            <a:r>
+              <a:rPr lang="sv-SE" dirty="0"/>
+              <a:t> </a:t>
+            </a:r>
+            <a:r>
+              <a:rPr lang="sv-SE" dirty="0" err="1"/>
+              <a:t>structure</a:t>
+            </a:r>
+            <a:r>
+              <a:rPr lang="sv-SE" dirty="0"/>
+              <a:t> in </a:t>
+            </a:r>
+            <a:r>
+              <a:rPr lang="sv-SE" dirty="0" err="1"/>
+              <a:t>kubernetes</a:t>
+            </a:r>
+            <a:r>
+              <a:rPr lang="sv-SE" dirty="0"/>
+              <a:t>.</a:t>
+            </a:r>
+          </a:p>
+          <a:p>
+            <a:r>
+              <a:rPr lang="sv-SE" dirty="0" err="1"/>
+              <a:t>Object</a:t>
+            </a:r>
+            <a:r>
+              <a:rPr lang="sv-SE" dirty="0"/>
+              <a:t> </a:t>
+            </a:r>
+            <a:r>
+              <a:rPr lang="sv-SE" dirty="0" err="1"/>
+              <a:t>can</a:t>
+            </a:r>
+            <a:r>
+              <a:rPr lang="sv-SE" dirty="0"/>
+              <a:t> be </a:t>
+            </a:r>
+            <a:r>
+              <a:rPr lang="sv-SE" dirty="0" err="1"/>
+              <a:t>created</a:t>
+            </a:r>
+            <a:r>
+              <a:rPr lang="sv-SE" dirty="0"/>
+              <a:t> </a:t>
+            </a:r>
+            <a:r>
+              <a:rPr lang="sv-SE" dirty="0" err="1"/>
+              <a:t>with</a:t>
+            </a:r>
+            <a:r>
+              <a:rPr lang="sv-SE" dirty="0"/>
+              <a:t> the </a:t>
+            </a:r>
+            <a:r>
+              <a:rPr lang="sv-SE" dirty="0" err="1"/>
+              <a:t>kubectl</a:t>
+            </a:r>
+            <a:r>
+              <a:rPr lang="sv-SE" dirty="0"/>
+              <a:t> CLI.</a:t>
+            </a:r>
+          </a:p>
+          <a:p>
+            <a:endParaRPr lang="sv-SE" dirty="0"/>
+          </a:p>
+        </p:txBody>
+      </p:sp>
     </p:spTree>
     <p:extLst>
       <p:ext uri="{BB962C8B-B14F-4D97-AF65-F5344CB8AC3E}">
-        <p14:creationId xmlns:p14="http://schemas.microsoft.com/office/powerpoint/2010/main" val="727466934"/>
+        <p14:creationId xmlns:p14="http://schemas.microsoft.com/office/powerpoint/2010/main" val="3870319094"/>
       </p:ext>
     </p:extLst>
   </p:cSld>
@@ -14764,7 +14927,7 @@
           <p:cNvPr id="2" name="Rubrik 1">
             <a:extLst>
               <a:ext uri="{FF2B5EF4-FFF2-40B4-BE49-F238E27FC236}">
-                <a16:creationId xmlns:a16="http://schemas.microsoft.com/office/drawing/2014/main" id="{2663D2C8-D1B5-4111-AD94-7E05D81D8C39}"/>
+                <a16:creationId xmlns:a16="http://schemas.microsoft.com/office/drawing/2014/main" id="{7EAB195A-EA15-4612-8A88-89D2B7F79E04}"/>
               </a:ext>
             </a:extLst>
           </p:cNvPr>
@@ -14780,10 +14943,17 @@
           <a:bodyPr/>
           <a:lstStyle/>
           <a:p>
-            <a:pPr algn="ctr"/>
-            <a:r>
-              <a:rPr lang="sv-SE" dirty="0"/>
-              <a:t>Kubernetes objects</a:t>
+            <a:r>
+              <a:rPr lang="sv-SE" dirty="0" err="1"/>
+              <a:t>Pods</a:t>
+            </a:r>
+            <a:r>
+              <a:rPr lang="sv-SE" dirty="0"/>
+              <a:t> </a:t>
+            </a:r>
+            <a:r>
+              <a:rPr lang="sv-SE" dirty="0" err="1"/>
+              <a:t>Background</a:t>
             </a:r>
             <a:endParaRPr lang="en-SE" dirty="0"/>
           </a:p>
@@ -14794,7 +14964,7 @@
           <p:cNvPr id="3" name="Platshållare för innehåll 2">
             <a:extLst>
               <a:ext uri="{FF2B5EF4-FFF2-40B4-BE49-F238E27FC236}">
-                <a16:creationId xmlns:a16="http://schemas.microsoft.com/office/drawing/2014/main" id="{6A3F3218-08EE-4331-8519-729E081D8277}"/>
+                <a16:creationId xmlns:a16="http://schemas.microsoft.com/office/drawing/2014/main" id="{E3D4DF97-0D44-47D9-96E4-29E3A69CF7E5}"/>
               </a:ext>
             </a:extLst>
           </p:cNvPr>
@@ -14811,8 +14981,221 @@
           <a:lstStyle/>
           <a:p>
             <a:r>
-              <a:rPr lang="sv-SE" dirty="0"/>
-              <a:t>All </a:t>
+              <a:rPr lang="sv-SE" dirty="0" err="1"/>
+              <a:t>We</a:t>
+            </a:r>
+            <a:r>
+              <a:rPr lang="sv-SE" dirty="0"/>
+              <a:t> </a:t>
+            </a:r>
+            <a:r>
+              <a:rPr lang="sv-SE" dirty="0" err="1"/>
+              <a:t>want</a:t>
+            </a:r>
+            <a:r>
+              <a:rPr lang="sv-SE" dirty="0"/>
+              <a:t> to </a:t>
+            </a:r>
+            <a:r>
+              <a:rPr lang="sv-SE" dirty="0" err="1"/>
+              <a:t>group</a:t>
+            </a:r>
+            <a:r>
+              <a:rPr lang="sv-SE" dirty="0"/>
+              <a:t> containers </a:t>
+            </a:r>
+            <a:r>
+              <a:rPr lang="sv-SE" dirty="0" err="1"/>
+              <a:t>that</a:t>
+            </a:r>
+            <a:r>
+              <a:rPr lang="sv-SE" dirty="0"/>
+              <a:t> </a:t>
+            </a:r>
+            <a:r>
+              <a:rPr lang="sv-SE" dirty="0" err="1"/>
+              <a:t>are</a:t>
+            </a:r>
+            <a:r>
+              <a:rPr lang="sv-SE" dirty="0"/>
+              <a:t> </a:t>
+            </a:r>
+            <a:r>
+              <a:rPr lang="sv-SE" dirty="0" err="1"/>
+              <a:t>tightly</a:t>
+            </a:r>
+            <a:r>
+              <a:rPr lang="sv-SE" dirty="0"/>
+              <a:t> </a:t>
+            </a:r>
+            <a:r>
+              <a:rPr lang="sv-SE" dirty="0" err="1"/>
+              <a:t>coupled</a:t>
+            </a:r>
+            <a:endParaRPr lang="sv-SE" dirty="0"/>
+          </a:p>
+          <a:p>
+            <a:r>
+              <a:rPr lang="sv-SE" dirty="0" err="1"/>
+              <a:t>Keeping</a:t>
+            </a:r>
+            <a:r>
+              <a:rPr lang="sv-SE" dirty="0"/>
+              <a:t> </a:t>
+            </a:r>
+            <a:r>
+              <a:rPr lang="sv-SE" dirty="0" err="1"/>
+              <a:t>track</a:t>
+            </a:r>
+            <a:r>
+              <a:rPr lang="sv-SE" dirty="0"/>
+              <a:t> </a:t>
+            </a:r>
+            <a:r>
+              <a:rPr lang="sv-SE" dirty="0" err="1"/>
+              <a:t>of</a:t>
+            </a:r>
+            <a:r>
+              <a:rPr lang="sv-SE" dirty="0"/>
+              <a:t> the </a:t>
+            </a:r>
+            <a:r>
+              <a:rPr lang="sv-SE" dirty="0" err="1"/>
+              <a:t>application</a:t>
+            </a:r>
+            <a:r>
+              <a:rPr lang="sv-SE" dirty="0"/>
+              <a:t> </a:t>
+            </a:r>
+            <a:r>
+              <a:rPr lang="sv-SE" dirty="0" err="1"/>
+              <a:t>configuration</a:t>
+            </a:r>
+            <a:r>
+              <a:rPr lang="sv-SE" dirty="0"/>
+              <a:t> and </a:t>
+            </a:r>
+            <a:r>
+              <a:rPr lang="sv-SE" dirty="0" err="1"/>
+              <a:t>state</a:t>
+            </a:r>
+            <a:r>
+              <a:rPr lang="sv-SE" dirty="0"/>
+              <a:t>, </a:t>
+            </a:r>
+            <a:r>
+              <a:rPr lang="sv-SE" dirty="0" err="1"/>
+              <a:t>since</a:t>
+            </a:r>
+            <a:r>
+              <a:rPr lang="sv-SE" dirty="0"/>
+              <a:t> </a:t>
+            </a:r>
+            <a:r>
+              <a:rPr lang="sv-SE" dirty="0" err="1"/>
+              <a:t>we</a:t>
+            </a:r>
+            <a:r>
+              <a:rPr lang="sv-SE" dirty="0"/>
+              <a:t> </a:t>
+            </a:r>
+            <a:r>
+              <a:rPr lang="sv-SE" dirty="0" err="1"/>
+              <a:t>have</a:t>
+            </a:r>
+            <a:r>
+              <a:rPr lang="sv-SE" dirty="0"/>
+              <a:t> a </a:t>
+            </a:r>
+            <a:r>
+              <a:rPr lang="sv-SE" dirty="0" err="1"/>
+              <a:t>declared</a:t>
+            </a:r>
+            <a:r>
+              <a:rPr lang="sv-SE" dirty="0"/>
+              <a:t> </a:t>
+            </a:r>
+            <a:r>
+              <a:rPr lang="sv-SE" dirty="0" err="1"/>
+              <a:t>yaml</a:t>
+            </a:r>
+            <a:r>
+              <a:rPr lang="sv-SE" dirty="0"/>
+              <a:t> </a:t>
+            </a:r>
+            <a:r>
+              <a:rPr lang="sv-SE" dirty="0" err="1"/>
+              <a:t>file</a:t>
+            </a:r>
+            <a:r>
+              <a:rPr lang="sv-SE" dirty="0"/>
+              <a:t>.</a:t>
+            </a:r>
+          </a:p>
+          <a:p>
+            <a:r>
+              <a:rPr lang="sv-SE" dirty="0" err="1"/>
+              <a:t>Pod</a:t>
+            </a:r>
+            <a:r>
+              <a:rPr lang="sv-SE" dirty="0"/>
+              <a:t> </a:t>
+            </a:r>
+            <a:r>
+              <a:rPr lang="sv-SE" dirty="0" err="1"/>
+              <a:t>configurations</a:t>
+            </a:r>
+            <a:r>
+              <a:rPr lang="sv-SE" dirty="0"/>
+              <a:t> </a:t>
+            </a:r>
+            <a:r>
+              <a:rPr lang="sv-SE" dirty="0" err="1"/>
+              <a:t>are</a:t>
+            </a:r>
+            <a:r>
+              <a:rPr lang="sv-SE" dirty="0"/>
+              <a:t> </a:t>
+            </a:r>
+            <a:r>
+              <a:rPr lang="sv-SE" dirty="0" err="1"/>
+              <a:t>compatible</a:t>
+            </a:r>
+            <a:r>
+              <a:rPr lang="sv-SE" dirty="0"/>
+              <a:t> </a:t>
+            </a:r>
+            <a:r>
+              <a:rPr lang="sv-SE" dirty="0" err="1"/>
+              <a:t>with</a:t>
+            </a:r>
+            <a:r>
+              <a:rPr lang="sv-SE" dirty="0"/>
+              <a:t> </a:t>
+            </a:r>
+            <a:r>
+              <a:rPr lang="sv-SE" dirty="0" err="1"/>
+              <a:t>other</a:t>
+            </a:r>
+            <a:r>
+              <a:rPr lang="sv-SE" dirty="0"/>
+              <a:t> </a:t>
+            </a:r>
+            <a:r>
+              <a:rPr lang="sv-SE" dirty="0" err="1"/>
+              <a:t>internal</a:t>
+            </a:r>
+            <a:r>
+              <a:rPr lang="sv-SE" dirty="0"/>
+              <a:t> </a:t>
+            </a:r>
+            <a:r>
+              <a:rPr lang="sv-SE" dirty="0" err="1"/>
+              <a:t>openshift</a:t>
+            </a:r>
+            <a:r>
+              <a:rPr lang="sv-SE" dirty="0"/>
+              <a:t> </a:t>
             </a:r>
             <a:r>
               <a:rPr lang="sv-SE" dirty="0" err="1"/>
@@ -14820,153 +15203,27 @@
             </a:r>
             <a:r>
               <a:rPr lang="sv-SE" dirty="0"/>
-              <a:t> in </a:t>
-            </a:r>
-            <a:r>
-              <a:rPr lang="sv-SE" dirty="0" err="1"/>
-              <a:t>openshift</a:t>
-            </a:r>
-            <a:r>
-              <a:rPr lang="sv-SE" dirty="0"/>
-              <a:t> </a:t>
-            </a:r>
-            <a:r>
-              <a:rPr lang="sv-SE" dirty="0" err="1"/>
-              <a:t>are</a:t>
-            </a:r>
-            <a:r>
-              <a:rPr lang="sv-SE" dirty="0"/>
-              <a:t> </a:t>
-            </a:r>
-            <a:r>
-              <a:rPr lang="sv-SE" dirty="0" err="1"/>
-              <a:t>describe</a:t>
-            </a:r>
-            <a:r>
-              <a:rPr lang="sv-SE" dirty="0"/>
-              <a:t> </a:t>
-            </a:r>
-            <a:r>
-              <a:rPr lang="sv-SE" dirty="0" err="1"/>
-              <a:t>using</a:t>
-            </a:r>
-            <a:r>
-              <a:rPr lang="sv-SE" dirty="0"/>
-              <a:t> </a:t>
-            </a:r>
-            <a:r>
-              <a:rPr lang="sv-SE" dirty="0" err="1"/>
-              <a:t>yaml</a:t>
-            </a:r>
-            <a:r>
-              <a:rPr lang="sv-SE" dirty="0"/>
-              <a:t> or </a:t>
-            </a:r>
-            <a:r>
-              <a:rPr lang="sv-SE" dirty="0" err="1"/>
-              <a:t>json</a:t>
-            </a:r>
-            <a:endParaRPr lang="sv-SE" dirty="0"/>
-          </a:p>
-          <a:p>
-            <a:r>
-              <a:rPr lang="sv-SE" dirty="0" err="1"/>
-              <a:t>Yaml</a:t>
-            </a:r>
-            <a:r>
-              <a:rPr lang="sv-SE" dirty="0"/>
-              <a:t> </a:t>
-            </a:r>
-            <a:r>
-              <a:rPr lang="sv-SE" dirty="0" err="1"/>
-              <a:t>files</a:t>
-            </a:r>
-            <a:r>
-              <a:rPr lang="sv-SE" dirty="0"/>
-              <a:t> </a:t>
-            </a:r>
-            <a:r>
-              <a:rPr lang="sv-SE" dirty="0" err="1"/>
-              <a:t>describes</a:t>
-            </a:r>
-            <a:r>
-              <a:rPr lang="sv-SE" dirty="0"/>
-              <a:t> the </a:t>
-            </a:r>
-            <a:r>
-              <a:rPr lang="sv-SE" dirty="0" err="1"/>
-              <a:t>state</a:t>
-            </a:r>
-            <a:r>
-              <a:rPr lang="sv-SE" dirty="0"/>
-              <a:t>/and </a:t>
-            </a:r>
-            <a:r>
-              <a:rPr lang="sv-SE" dirty="0" err="1"/>
-              <a:t>configuration</a:t>
-            </a:r>
-            <a:r>
-              <a:rPr lang="sv-SE" dirty="0"/>
-              <a:t> </a:t>
-            </a:r>
-            <a:r>
-              <a:rPr lang="sv-SE" dirty="0" err="1"/>
-              <a:t>of</a:t>
-            </a:r>
-            <a:r>
-              <a:rPr lang="sv-SE" dirty="0"/>
-              <a:t> </a:t>
-            </a:r>
-            <a:r>
-              <a:rPr lang="sv-SE" dirty="0" err="1"/>
-              <a:t>our</a:t>
-            </a:r>
-            <a:r>
-              <a:rPr lang="sv-SE" dirty="0"/>
-              <a:t> </a:t>
-            </a:r>
-            <a:r>
-              <a:rPr lang="sv-SE" dirty="0" err="1"/>
-              <a:t>application</a:t>
-            </a:r>
-            <a:endParaRPr lang="sv-SE" dirty="0"/>
-          </a:p>
-          <a:p>
-            <a:r>
-              <a:rPr lang="sv-SE" dirty="0" err="1"/>
-              <a:t>Lets</a:t>
-            </a:r>
-            <a:r>
-              <a:rPr lang="sv-SE" dirty="0"/>
-              <a:t> </a:t>
-            </a:r>
-            <a:r>
-              <a:rPr lang="sv-SE" dirty="0" err="1"/>
-              <a:t>have</a:t>
-            </a:r>
-            <a:r>
-              <a:rPr lang="sv-SE" dirty="0"/>
-              <a:t> a look at a simple </a:t>
-            </a:r>
-            <a:r>
-              <a:rPr lang="sv-SE" dirty="0" err="1"/>
-              <a:t>app</a:t>
-            </a:r>
-            <a:r>
-              <a:rPr lang="sv-SE" dirty="0"/>
-              <a:t> </a:t>
-            </a:r>
-            <a:r>
-              <a:rPr lang="sv-SE" dirty="0" err="1"/>
-              <a:t>structure</a:t>
-            </a:r>
-            <a:r>
-              <a:rPr lang="sv-SE" dirty="0"/>
-              <a:t> in </a:t>
-            </a:r>
-            <a:r>
-              <a:rPr lang="sv-SE" dirty="0" err="1"/>
-              <a:t>openshift</a:t>
+              <a:t>, </a:t>
+            </a:r>
+            <a:r>
+              <a:rPr lang="sv-SE" dirty="0" err="1"/>
+              <a:t>such</a:t>
+            </a:r>
+            <a:r>
+              <a:rPr lang="sv-SE" dirty="0"/>
+              <a:t> as persistent </a:t>
+            </a:r>
+            <a:r>
+              <a:rPr lang="sv-SE" dirty="0" err="1"/>
+              <a:t>volumes</a:t>
+            </a:r>
+            <a:r>
+              <a:rPr lang="sv-SE" dirty="0"/>
+              <a:t> and </a:t>
+            </a:r>
+            <a:r>
+              <a:rPr lang="sv-SE" dirty="0" err="1"/>
+              <a:t>configmaps</a:t>
             </a:r>
             <a:r>
               <a:rPr lang="sv-SE" dirty="0"/>
@@ -14974,14 +15231,14 @@
             </a:r>
           </a:p>
           <a:p>
-            <a:endParaRPr lang="sv-SE" dirty="0"/>
+            <a:endParaRPr lang="en-SE" dirty="0"/>
           </a:p>
         </p:txBody>
       </p:sp>
     </p:spTree>
     <p:extLst>
       <p:ext uri="{BB962C8B-B14F-4D97-AF65-F5344CB8AC3E}">
-        <p14:creationId xmlns:p14="http://schemas.microsoft.com/office/powerpoint/2010/main" val="3870319094"/>
+        <p14:creationId xmlns:p14="http://schemas.microsoft.com/office/powerpoint/2010/main" val="358899453"/>
       </p:ext>
     </p:extLst>
   </p:cSld>
@@ -15013,7 +15270,7 @@
           <p:cNvPr id="2" name="Rubrik 1">
             <a:extLst>
               <a:ext uri="{FF2B5EF4-FFF2-40B4-BE49-F238E27FC236}">
-                <a16:creationId xmlns:a16="http://schemas.microsoft.com/office/drawing/2014/main" id="{7EAB195A-EA15-4612-8A88-89D2B7F79E04}"/>
+                <a16:creationId xmlns:a16="http://schemas.microsoft.com/office/drawing/2014/main" id="{9CAAD446-9FDA-4141-B97A-1AB22BFBDC84}"/>
               </a:ext>
             </a:extLst>
           </p:cNvPr>
@@ -15029,165 +15286,170 @@
           <a:bodyPr/>
           <a:lstStyle/>
           <a:p>
+            <a:pPr algn="ctr"/>
             <a:r>
               <a:rPr lang="sv-SE" dirty="0" err="1"/>
               <a:t>Pods</a:t>
             </a:r>
+            <a:endParaRPr lang="en-SE" dirty="0"/>
+          </a:p>
+        </p:txBody>
+      </p:sp>
+      <p:pic>
+        <p:nvPicPr>
+          <p:cNvPr id="9" name="Bildobjekt 8">
+            <a:extLst>
+              <a:ext uri="{FF2B5EF4-FFF2-40B4-BE49-F238E27FC236}">
+                <a16:creationId xmlns:a16="http://schemas.microsoft.com/office/drawing/2014/main" id="{7DD38B5C-BA5C-4806-A2B2-4956712A91B4}"/>
+              </a:ext>
+            </a:extLst>
+          </p:cNvPr>
+          <p:cNvPicPr>
+            <a:picLocks noChangeAspect="1"/>
+          </p:cNvPicPr>
+          <p:nvPr/>
+        </p:nvPicPr>
+        <p:blipFill>
+          <a:blip r:embed="rId2"/>
+          <a:stretch>
+            <a:fillRect/>
+          </a:stretch>
+        </p:blipFill>
+        <p:spPr>
+          <a:xfrm>
+            <a:off x="838200" y="2116095"/>
+            <a:ext cx="10742651" cy="2625809"/>
+          </a:xfrm>
+          <a:prstGeom prst="rect">
+            <a:avLst/>
+          </a:prstGeom>
+        </p:spPr>
+      </p:pic>
+      <p:cxnSp>
+        <p:nvCxnSpPr>
+          <p:cNvPr id="11" name="Rak pilkoppling 10">
+            <a:extLst>
+              <a:ext uri="{FF2B5EF4-FFF2-40B4-BE49-F238E27FC236}">
+                <a16:creationId xmlns:a16="http://schemas.microsoft.com/office/drawing/2014/main" id="{D11D92F5-4327-4046-A3BA-07EFC0C665C2}"/>
+              </a:ext>
+            </a:extLst>
+          </p:cNvPr>
+          <p:cNvCxnSpPr>
+            <a:cxnSpLocks/>
+          </p:cNvCxnSpPr>
+          <p:nvPr/>
+        </p:nvCxnSpPr>
+        <p:spPr>
+          <a:xfrm flipH="1">
+            <a:off x="4121150" y="3154017"/>
+            <a:ext cx="1762815" cy="935383"/>
+          </a:xfrm>
+          <a:prstGeom prst="straightConnector1">
+            <a:avLst/>
+          </a:prstGeom>
+          <a:ln>
+            <a:tailEnd type="triangle"/>
+          </a:ln>
+        </p:spPr>
+        <p:style>
+          <a:lnRef idx="1">
+            <a:schemeClr val="accent1"/>
+          </a:lnRef>
+          <a:fillRef idx="0">
+            <a:schemeClr val="accent1"/>
+          </a:fillRef>
+          <a:effectRef idx="0">
+            <a:schemeClr val="accent1"/>
+          </a:effectRef>
+          <a:fontRef idx="minor">
+            <a:schemeClr val="tx1"/>
+          </a:fontRef>
+        </p:style>
+      </p:cxnSp>
+      <p:sp>
+        <p:nvSpPr>
+          <p:cNvPr id="15" name="textruta 14">
+            <a:extLst>
+              <a:ext uri="{FF2B5EF4-FFF2-40B4-BE49-F238E27FC236}">
+                <a16:creationId xmlns:a16="http://schemas.microsoft.com/office/drawing/2014/main" id="{80B1E50D-E726-4E7C-B359-09397D38BF62}"/>
+              </a:ext>
+            </a:extLst>
+          </p:cNvPr>
+          <p:cNvSpPr txBox="1"/>
+          <p:nvPr/>
+        </p:nvSpPr>
+        <p:spPr>
+          <a:xfrm>
+            <a:off x="5925585" y="2415353"/>
+            <a:ext cx="5655266" cy="1477328"/>
+          </a:xfrm>
+          <a:prstGeom prst="rect">
+            <a:avLst/>
+          </a:prstGeom>
+          <a:noFill/>
+        </p:spPr>
+        <p:txBody>
+          <a:bodyPr wrap="none" rtlCol="0">
+            <a:spAutoFit/>
+          </a:bodyPr>
+          <a:lstStyle/>
+          <a:p>
+            <a:r>
+              <a:rPr lang="sv-SE" dirty="0"/>
+              <a:t>Image </a:t>
+            </a:r>
+            <a:r>
+              <a:rPr lang="sv-SE" dirty="0" err="1"/>
+              <a:t>reference</a:t>
+            </a:r>
+            <a:r>
+              <a:rPr lang="sv-SE" dirty="0"/>
+              <a:t> goes </a:t>
+            </a:r>
+            <a:r>
+              <a:rPr lang="sv-SE" dirty="0" err="1"/>
+              <a:t>here</a:t>
+            </a:r>
+            <a:r>
+              <a:rPr lang="sv-SE" dirty="0"/>
+              <a:t>, make sure to </a:t>
+            </a:r>
+            <a:r>
+              <a:rPr lang="sv-SE" dirty="0" err="1"/>
+              <a:t>use</a:t>
+            </a:r>
             <a:r>
               <a:rPr lang="sv-SE" dirty="0"/>
               <a:t> </a:t>
             </a:r>
             <a:r>
               <a:rPr lang="sv-SE" dirty="0" err="1"/>
-              <a:t>Background</a:t>
-            </a:r>
-            <a:endParaRPr lang="en-SE" dirty="0"/>
-          </a:p>
-        </p:txBody>
-      </p:sp>
-      <p:sp>
-        <p:nvSpPr>
-          <p:cNvPr id="3" name="Platshållare för innehåll 2">
-            <a:extLst>
-              <a:ext uri="{FF2B5EF4-FFF2-40B4-BE49-F238E27FC236}">
-                <a16:creationId xmlns:a16="http://schemas.microsoft.com/office/drawing/2014/main" id="{E3D4DF97-0D44-47D9-96E4-29E3A69CF7E5}"/>
-              </a:ext>
-            </a:extLst>
-          </p:cNvPr>
-          <p:cNvSpPr>
-            <a:spLocks noGrp="1"/>
-          </p:cNvSpPr>
-          <p:nvPr>
-            <p:ph idx="1"/>
-          </p:nvPr>
-        </p:nvSpPr>
-        <p:spPr/>
-        <p:txBody>
-          <a:bodyPr/>
-          <a:lstStyle/>
-          <a:p>
-            <a:r>
-              <a:rPr lang="sv-SE" dirty="0" err="1"/>
-              <a:t>We</a:t>
-            </a:r>
-            <a:r>
-              <a:rPr lang="sv-SE" dirty="0"/>
-              <a:t> </a:t>
-            </a:r>
-            <a:r>
-              <a:rPr lang="sv-SE" dirty="0" err="1"/>
-              <a:t>want</a:t>
-            </a:r>
-            <a:r>
-              <a:rPr lang="sv-SE" dirty="0"/>
-              <a:t> to </a:t>
-            </a:r>
-            <a:r>
-              <a:rPr lang="sv-SE" dirty="0" err="1"/>
-              <a:t>group</a:t>
-            </a:r>
-            <a:r>
-              <a:rPr lang="sv-SE" dirty="0"/>
-              <a:t> containers </a:t>
-            </a:r>
-            <a:r>
-              <a:rPr lang="sv-SE" dirty="0" err="1"/>
-              <a:t>that</a:t>
-            </a:r>
-            <a:r>
-              <a:rPr lang="sv-SE" dirty="0"/>
-              <a:t> </a:t>
-            </a:r>
-            <a:r>
-              <a:rPr lang="sv-SE" dirty="0" err="1"/>
-              <a:t>are</a:t>
-            </a:r>
-            <a:r>
-              <a:rPr lang="sv-SE" dirty="0"/>
-              <a:t> </a:t>
-            </a:r>
-            <a:r>
-              <a:rPr lang="sv-SE" dirty="0" err="1"/>
-              <a:t>tightly</a:t>
-            </a:r>
-            <a:r>
-              <a:rPr lang="sv-SE" dirty="0"/>
-              <a:t> </a:t>
-            </a:r>
-            <a:r>
-              <a:rPr lang="sv-SE" dirty="0" err="1"/>
-              <a:t>coupled</a:t>
+              <a:t>folksam</a:t>
             </a:r>
             <a:endParaRPr lang="sv-SE" dirty="0"/>
           </a:p>
           <a:p>
             <a:r>
               <a:rPr lang="sv-SE" dirty="0" err="1"/>
-              <a:t>Keeping</a:t>
-            </a:r>
-            <a:r>
-              <a:rPr lang="sv-SE" dirty="0"/>
-              <a:t> </a:t>
-            </a:r>
-            <a:r>
-              <a:rPr lang="sv-SE" dirty="0" err="1"/>
-              <a:t>track</a:t>
-            </a:r>
-            <a:r>
-              <a:rPr lang="sv-SE" dirty="0"/>
-              <a:t> </a:t>
-            </a:r>
-            <a:r>
-              <a:rPr lang="sv-SE" dirty="0" err="1"/>
-              <a:t>of</a:t>
-            </a:r>
-            <a:r>
-              <a:rPr lang="sv-SE" dirty="0"/>
-              <a:t> the </a:t>
-            </a:r>
-            <a:r>
-              <a:rPr lang="sv-SE" dirty="0" err="1"/>
-              <a:t>application</a:t>
-            </a:r>
-            <a:r>
-              <a:rPr lang="sv-SE" dirty="0"/>
-              <a:t> </a:t>
-            </a:r>
-            <a:r>
-              <a:rPr lang="sv-SE" dirty="0" err="1"/>
-              <a:t>configuration</a:t>
-            </a:r>
-            <a:r>
-              <a:rPr lang="sv-SE" dirty="0"/>
-              <a:t> and </a:t>
-            </a:r>
-            <a:r>
-              <a:rPr lang="sv-SE" dirty="0" err="1"/>
-              <a:t>state</a:t>
-            </a:r>
-            <a:r>
-              <a:rPr lang="sv-SE" dirty="0"/>
-              <a:t>, </a:t>
-            </a:r>
-            <a:r>
-              <a:rPr lang="sv-SE" dirty="0" err="1"/>
-              <a:t>since</a:t>
-            </a:r>
-            <a:r>
-              <a:rPr lang="sv-SE" dirty="0"/>
-              <a:t> </a:t>
-            </a:r>
-            <a:r>
-              <a:rPr lang="sv-SE" dirty="0" err="1"/>
-              <a:t>we</a:t>
-            </a:r>
-            <a:r>
-              <a:rPr lang="sv-SE" dirty="0"/>
-              <a:t> </a:t>
-            </a:r>
-            <a:r>
-              <a:rPr lang="sv-SE" dirty="0" err="1"/>
-              <a:t>have</a:t>
+              <a:t>artifactory</a:t>
+            </a:r>
+            <a:r>
+              <a:rPr lang="sv-SE" dirty="0"/>
+              <a:t> and not like </a:t>
+            </a:r>
+            <a:r>
+              <a:rPr lang="sv-SE" dirty="0" err="1"/>
+              <a:t>this</a:t>
+            </a:r>
+            <a:r>
+              <a:rPr lang="sv-SE" dirty="0"/>
+              <a:t>!</a:t>
+            </a:r>
+          </a:p>
+          <a:p>
+            <a:r>
+              <a:rPr lang="sv-SE" dirty="0" err="1"/>
+              <a:t>Use</a:t>
             </a:r>
             <a:r>
               <a:rPr lang="sv-SE" dirty="0"/>
@@ -15195,136 +15457,36 @@
             </a:r>
             <a:r>
               <a:rPr lang="sv-SE" dirty="0" err="1"/>
-              <a:t>declared</a:t>
-            </a:r>
-            <a:r>
-              <a:rPr lang="sv-SE" dirty="0"/>
-              <a:t> </a:t>
-            </a:r>
-            <a:r>
-              <a:rPr lang="sv-SE" dirty="0" err="1"/>
-              <a:t>yaml</a:t>
-            </a:r>
-            <a:r>
-              <a:rPr lang="sv-SE" dirty="0"/>
-              <a:t> </a:t>
-            </a:r>
-            <a:r>
-              <a:rPr lang="sv-SE" dirty="0" err="1"/>
-              <a:t>file</a:t>
-            </a:r>
-            <a:r>
-              <a:rPr lang="sv-SE" dirty="0"/>
-              <a:t>.</a:t>
-            </a:r>
-          </a:p>
-          <a:p>
-            <a:r>
-              <a:rPr lang="sv-SE" dirty="0" err="1"/>
-              <a:t>Pod</a:t>
-            </a:r>
-            <a:r>
-              <a:rPr lang="sv-SE" dirty="0"/>
-              <a:t> </a:t>
-            </a:r>
-            <a:r>
-              <a:rPr lang="sv-SE" dirty="0" err="1"/>
-              <a:t>configurations</a:t>
-            </a:r>
-            <a:r>
-              <a:rPr lang="sv-SE" dirty="0"/>
-              <a:t> </a:t>
-            </a:r>
-            <a:r>
-              <a:rPr lang="sv-SE" dirty="0" err="1"/>
-              <a:t>are</a:t>
-            </a:r>
-            <a:r>
-              <a:rPr lang="sv-SE" dirty="0"/>
-              <a:t> </a:t>
-            </a:r>
-            <a:r>
-              <a:rPr lang="sv-SE" dirty="0" err="1"/>
-              <a:t>compatible</a:t>
-            </a:r>
-            <a:r>
-              <a:rPr lang="sv-SE" dirty="0"/>
-              <a:t> </a:t>
-            </a:r>
-            <a:r>
-              <a:rPr lang="sv-SE" dirty="0" err="1"/>
-              <a:t>with</a:t>
-            </a:r>
-            <a:r>
-              <a:rPr lang="sv-SE" dirty="0"/>
-              <a:t> </a:t>
-            </a:r>
-            <a:r>
-              <a:rPr lang="sv-SE" dirty="0" err="1"/>
-              <a:t>other</a:t>
-            </a:r>
-            <a:r>
-              <a:rPr lang="sv-SE" dirty="0"/>
-              <a:t> </a:t>
-            </a:r>
-            <a:r>
-              <a:rPr lang="sv-SE" dirty="0" err="1"/>
-              <a:t>internal</a:t>
-            </a:r>
-            <a:r>
-              <a:rPr lang="sv-SE" dirty="0"/>
-              <a:t> </a:t>
-            </a:r>
-            <a:r>
-              <a:rPr lang="sv-SE" dirty="0" err="1"/>
-              <a:t>openshift</a:t>
-            </a:r>
-            <a:r>
-              <a:rPr lang="sv-SE" dirty="0"/>
-              <a:t> </a:t>
-            </a:r>
-            <a:r>
-              <a:rPr lang="sv-SE" dirty="0" err="1"/>
-              <a:t>objects</a:t>
-            </a:r>
-            <a:r>
-              <a:rPr lang="sv-SE" dirty="0"/>
-              <a:t>, </a:t>
-            </a:r>
-            <a:r>
-              <a:rPr lang="sv-SE" dirty="0" err="1"/>
-              <a:t>such</a:t>
-            </a:r>
-            <a:r>
-              <a:rPr lang="sv-SE" dirty="0"/>
-              <a:t> as persistent </a:t>
-            </a:r>
-            <a:r>
-              <a:rPr lang="sv-SE" dirty="0" err="1"/>
-              <a:t>volumes</a:t>
-            </a:r>
-            <a:r>
-              <a:rPr lang="sv-SE" dirty="0"/>
-              <a:t> and </a:t>
-            </a:r>
-            <a:r>
-              <a:rPr lang="sv-SE" dirty="0" err="1"/>
-              <a:t>configmaps</a:t>
-            </a:r>
-            <a:r>
-              <a:rPr lang="sv-SE" dirty="0"/>
-              <a:t>.</a:t>
-            </a:r>
-          </a:p>
-          <a:p>
-            <a:endParaRPr lang="en-SE" dirty="0"/>
+              <a:t>reference</a:t>
+            </a:r>
+            <a:r>
+              <a:rPr lang="sv-SE" dirty="0"/>
+              <a:t> like </a:t>
+            </a:r>
+            <a:r>
+              <a:rPr lang="sv-SE" dirty="0" err="1"/>
+              <a:t>this</a:t>
+            </a:r>
+            <a:r>
+              <a:rPr lang="sv-SE" dirty="0"/>
+              <a:t>:</a:t>
+            </a:r>
+          </a:p>
+          <a:p>
+            <a:r>
+              <a:rPr lang="sv-SE" dirty="0"/>
+              <a:t>ocp-docker-virtual.repo-tos.intern.folksam.se/nginx:1.14.2</a:t>
+            </a:r>
+          </a:p>
+          <a:p>
+            <a:endParaRPr lang="sv-SE" dirty="0"/>
           </a:p>
         </p:txBody>
       </p:sp>
     </p:spTree>
     <p:extLst>
       <p:ext uri="{BB962C8B-B14F-4D97-AF65-F5344CB8AC3E}">
-        <p14:creationId xmlns:p14="http://schemas.microsoft.com/office/powerpoint/2010/main" val="358899453"/>
+        <p14:creationId xmlns:p14="http://schemas.microsoft.com/office/powerpoint/2010/main" val="3244960113"/>
       </p:ext>
     </p:extLst>
   </p:cSld>
@@ -15614,7 +15776,7 @@
           <p:cNvPr id="2" name="Rubrik 1">
             <a:extLst>
               <a:ext uri="{FF2B5EF4-FFF2-40B4-BE49-F238E27FC236}">
-                <a16:creationId xmlns:a16="http://schemas.microsoft.com/office/drawing/2014/main" id="{9CAAD446-9FDA-4141-B97A-1AB22BFBDC84}"/>
+                <a16:creationId xmlns:a16="http://schemas.microsoft.com/office/drawing/2014/main" id="{CBA01E2F-A945-49F5-B98A-438A2FF7E22B}"/>
               </a:ext>
             </a:extLst>
           </p:cNvPr>
@@ -15632,6 +15794,26 @@
           <a:p>
             <a:pPr algn="ctr"/>
             <a:r>
+              <a:rPr lang="sv-SE" dirty="0"/>
+              <a:t>15 </a:t>
+            </a:r>
+            <a:r>
+              <a:rPr lang="sv-SE" dirty="0" err="1"/>
+              <a:t>minute</a:t>
+            </a:r>
+            <a:r>
+              <a:rPr lang="sv-SE" dirty="0"/>
+              <a:t> </a:t>
+            </a:r>
+            <a:r>
+              <a:rPr lang="sv-SE" dirty="0" err="1"/>
+              <a:t>Excercise</a:t>
+            </a:r>
+            <a:r>
+              <a:rPr lang="sv-SE" dirty="0"/>
+              <a:t> </a:t>
+            </a:r>
+            <a:r>
               <a:rPr lang="sv-SE" dirty="0" err="1"/>
               <a:t>Pods</a:t>
             </a:r>
@@ -15639,128 +15821,37 @@
           </a:p>
         </p:txBody>
       </p:sp>
-      <p:pic>
-        <p:nvPicPr>
-          <p:cNvPr id="9" name="Bildobjekt 8">
-            <a:extLst>
-              <a:ext uri="{FF2B5EF4-FFF2-40B4-BE49-F238E27FC236}">
-                <a16:creationId xmlns:a16="http://schemas.microsoft.com/office/drawing/2014/main" id="{7DD38B5C-BA5C-4806-A2B2-4956712A91B4}"/>
-              </a:ext>
-            </a:extLst>
-          </p:cNvPr>
-          <p:cNvPicPr>
-            <a:picLocks noChangeAspect="1"/>
-          </p:cNvPicPr>
-          <p:nvPr/>
-        </p:nvPicPr>
-        <p:blipFill>
-          <a:blip r:embed="rId2"/>
-          <a:stretch>
-            <a:fillRect/>
-          </a:stretch>
-        </p:blipFill>
+      <p:sp>
+        <p:nvSpPr>
+          <p:cNvPr id="3" name="Platshållare för innehåll 2">
+            <a:extLst>
+              <a:ext uri="{FF2B5EF4-FFF2-40B4-BE49-F238E27FC236}">
+                <a16:creationId xmlns:a16="http://schemas.microsoft.com/office/drawing/2014/main" id="{A2DBBB70-ED69-4934-95F1-E99FE116D639}"/>
+              </a:ext>
+            </a:extLst>
+          </p:cNvPr>
+          <p:cNvSpPr>
+            <a:spLocks noGrp="1"/>
+          </p:cNvSpPr>
+          <p:nvPr>
+            <p:ph idx="1"/>
+          </p:nvPr>
+        </p:nvSpPr>
         <p:spPr>
           <a:xfrm>
-            <a:off x="838200" y="2116095"/>
-            <a:ext cx="10742651" cy="2625809"/>
+            <a:off x="838200" y="1502164"/>
+            <a:ext cx="10515600" cy="4774228"/>
           </a:xfrm>
-          <a:prstGeom prst="rect">
-            <a:avLst/>
-          </a:prstGeom>
         </p:spPr>
-      </p:pic>
-      <p:cxnSp>
-        <p:nvCxnSpPr>
-          <p:cNvPr id="11" name="Rak pilkoppling 10">
-            <a:extLst>
-              <a:ext uri="{FF2B5EF4-FFF2-40B4-BE49-F238E27FC236}">
-                <a16:creationId xmlns:a16="http://schemas.microsoft.com/office/drawing/2014/main" id="{D11D92F5-4327-4046-A3BA-07EFC0C665C2}"/>
-              </a:ext>
-            </a:extLst>
-          </p:cNvPr>
-          <p:cNvCxnSpPr>
-            <a:cxnSpLocks/>
-          </p:cNvCxnSpPr>
-          <p:nvPr/>
-        </p:nvCxnSpPr>
-        <p:spPr>
-          <a:xfrm flipH="1">
-            <a:off x="4121150" y="3154017"/>
-            <a:ext cx="1762815" cy="935383"/>
-          </a:xfrm>
-          <a:prstGeom prst="straightConnector1">
-            <a:avLst/>
-          </a:prstGeom>
-          <a:ln>
-            <a:tailEnd type="triangle"/>
-          </a:ln>
-        </p:spPr>
-        <p:style>
-          <a:lnRef idx="1">
-            <a:schemeClr val="accent1"/>
-          </a:lnRef>
-          <a:fillRef idx="0">
-            <a:schemeClr val="accent1"/>
-          </a:fillRef>
-          <a:effectRef idx="0">
-            <a:schemeClr val="accent1"/>
-          </a:effectRef>
-          <a:fontRef idx="minor">
-            <a:schemeClr val="tx1"/>
-          </a:fontRef>
-        </p:style>
-      </p:cxnSp>
-      <p:sp>
-        <p:nvSpPr>
-          <p:cNvPr id="15" name="textruta 14">
-            <a:extLst>
-              <a:ext uri="{FF2B5EF4-FFF2-40B4-BE49-F238E27FC236}">
-                <a16:creationId xmlns:a16="http://schemas.microsoft.com/office/drawing/2014/main" id="{80B1E50D-E726-4E7C-B359-09397D38BF62}"/>
-              </a:ext>
-            </a:extLst>
-          </p:cNvPr>
-          <p:cNvSpPr txBox="1"/>
-          <p:nvPr/>
-        </p:nvSpPr>
-        <p:spPr>
-          <a:xfrm>
-            <a:off x="5925585" y="2415353"/>
-            <a:ext cx="5655266" cy="1477328"/>
-          </a:xfrm>
-          <a:prstGeom prst="rect">
-            <a:avLst/>
-          </a:prstGeom>
-          <a:noFill/>
-        </p:spPr>
-        <p:txBody>
-          <a:bodyPr wrap="none" rtlCol="0">
-            <a:spAutoFit/>
+        <p:txBody>
+          <a:bodyPr>
+            <a:normAutofit/>
           </a:bodyPr>
           <a:lstStyle/>
           <a:p>
             <a:r>
-              <a:rPr lang="sv-SE" dirty="0"/>
-              <a:t>Image </a:t>
-            </a:r>
-            <a:r>
-              <a:rPr lang="sv-SE" dirty="0" err="1"/>
-              <a:t>reference</a:t>
-            </a:r>
-            <a:r>
-              <a:rPr lang="sv-SE" dirty="0"/>
-              <a:t> goes </a:t>
-            </a:r>
-            <a:r>
-              <a:rPr lang="sv-SE" dirty="0" err="1"/>
-              <a:t>here</a:t>
-            </a:r>
-            <a:r>
-              <a:rPr lang="sv-SE" dirty="0"/>
-              <a:t>, make sure to </a:t>
-            </a:r>
-            <a:r>
-              <a:rPr lang="sv-SE" dirty="0" err="1"/>
-              <a:t>use</a:t>
+              <a:rPr lang="sv-SE" dirty="0" err="1"/>
+              <a:t>Use</a:t>
             </a:r>
             <a:r>
               <a:rPr lang="sv-SE" dirty="0"/>
@@ -15768,59 +15859,172 @@
             </a:r>
             <a:r>
               <a:rPr lang="sv-SE" dirty="0" err="1"/>
-              <a:t>folksam</a:t>
+              <a:t>your</a:t>
+            </a:r>
+            <a:r>
+              <a:rPr lang="sv-SE" dirty="0"/>
+              <a:t> </a:t>
+            </a:r>
+            <a:r>
+              <a:rPr lang="sv-SE" dirty="0" err="1"/>
+              <a:t>knowledge</a:t>
+            </a:r>
+            <a:r>
+              <a:rPr lang="sv-SE" dirty="0"/>
+              <a:t> </a:t>
+            </a:r>
+            <a:r>
+              <a:rPr lang="sv-SE" dirty="0" err="1"/>
+              <a:t>of</a:t>
+            </a:r>
+            <a:r>
+              <a:rPr lang="sv-SE" dirty="0"/>
+              <a:t> </a:t>
+            </a:r>
+            <a:r>
+              <a:rPr lang="sv-SE" dirty="0" err="1"/>
+              <a:t>docker</a:t>
+            </a:r>
+            <a:r>
+              <a:rPr lang="sv-SE" dirty="0"/>
+              <a:t> and </a:t>
+            </a:r>
+            <a:r>
+              <a:rPr lang="sv-SE" dirty="0" err="1"/>
+              <a:t>mankier</a:t>
+            </a:r>
+            <a:r>
+              <a:rPr lang="sv-SE" dirty="0"/>
+              <a:t> to </a:t>
+            </a:r>
+            <a:r>
+              <a:rPr lang="sv-SE" dirty="0" err="1"/>
+              <a:t>find</a:t>
+            </a:r>
+            <a:r>
+              <a:rPr lang="sv-SE" dirty="0"/>
+              <a:t> </a:t>
+            </a:r>
+            <a:r>
+              <a:rPr lang="sv-SE" dirty="0" err="1"/>
+              <a:t>out</a:t>
+            </a:r>
+            <a:r>
+              <a:rPr lang="sv-SE" dirty="0"/>
+              <a:t> </a:t>
+            </a:r>
+            <a:r>
+              <a:rPr lang="sv-SE" dirty="0" err="1"/>
+              <a:t>how</a:t>
+            </a:r>
+            <a:r>
+              <a:rPr lang="sv-SE" dirty="0"/>
+              <a:t> to spin </a:t>
+            </a:r>
+            <a:r>
+              <a:rPr lang="sv-SE" dirty="0" err="1"/>
+              <a:t>up</a:t>
+            </a:r>
+            <a:r>
+              <a:rPr lang="sv-SE" dirty="0"/>
+              <a:t> a </a:t>
+            </a:r>
+            <a:r>
+              <a:rPr lang="sv-SE" dirty="0" err="1"/>
+              <a:t>pod</a:t>
+            </a:r>
+            <a:r>
+              <a:rPr lang="sv-SE" dirty="0"/>
+              <a:t> </a:t>
+            </a:r>
+            <a:r>
+              <a:rPr lang="sv-SE" dirty="0" err="1"/>
+              <a:t>with</a:t>
+            </a:r>
+            <a:r>
+              <a:rPr lang="sv-SE" dirty="0"/>
+              <a:t> the </a:t>
+            </a:r>
+            <a:r>
+              <a:rPr lang="sv-SE" dirty="0" err="1"/>
+              <a:t>httpd</a:t>
+            </a:r>
+            <a:r>
+              <a:rPr lang="sv-SE" dirty="0"/>
+              <a:t> image in </a:t>
+            </a:r>
+            <a:r>
+              <a:rPr lang="sv-SE" dirty="0" err="1"/>
+              <a:t>openshift</a:t>
+            </a:r>
+            <a:r>
+              <a:rPr lang="sv-SE" dirty="0"/>
+              <a:t>.</a:t>
+            </a:r>
+          </a:p>
+          <a:p>
+            <a:pPr lvl="1"/>
+            <a:r>
+              <a:rPr lang="sv-SE" dirty="0">
+                <a:hlinkClick r:id="rId2"/>
+              </a:rPr>
+              <a:t>https://www.mankier.com/1/kubectl-run</a:t>
             </a:r>
             <a:endParaRPr lang="sv-SE" dirty="0"/>
           </a:p>
           <a:p>
             <a:r>
-              <a:rPr lang="sv-SE" dirty="0" err="1"/>
-              <a:t>artifactory</a:t>
-            </a:r>
-            <a:r>
-              <a:rPr lang="sv-SE" dirty="0"/>
-              <a:t> and not like </a:t>
-            </a:r>
-            <a:r>
-              <a:rPr lang="sv-SE" dirty="0" err="1"/>
-              <a:t>this</a:t>
-            </a:r>
-            <a:r>
-              <a:rPr lang="sv-SE" dirty="0"/>
-              <a:t>!</a:t>
-            </a:r>
-          </a:p>
-          <a:p>
-            <a:r>
-              <a:rPr lang="sv-SE" dirty="0" err="1"/>
-              <a:t>Use</a:t>
-            </a:r>
-            <a:r>
-              <a:rPr lang="sv-SE" dirty="0"/>
-              <a:t> a </a:t>
-            </a:r>
-            <a:r>
-              <a:rPr lang="sv-SE" dirty="0" err="1"/>
-              <a:t>reference</a:t>
-            </a:r>
-            <a:r>
-              <a:rPr lang="sv-SE" dirty="0"/>
-              <a:t> like </a:t>
-            </a:r>
-            <a:r>
-              <a:rPr lang="sv-SE" dirty="0" err="1"/>
-              <a:t>this</a:t>
-            </a:r>
-            <a:r>
-              <a:rPr lang="sv-SE" dirty="0"/>
-              <a:t>:</a:t>
-            </a:r>
-          </a:p>
-          <a:p>
-            <a:r>
-              <a:rPr lang="sv-SE" dirty="0"/>
-              <a:t>ocp-docker-virtual.repo-tos.intern.folksam.se/nginx:1.14.2</a:t>
-            </a:r>
+              <a:rPr lang="sv-SE" dirty="0"/>
+              <a:t>User the --dry-run=client flag to verify object before creation.</a:t>
+            </a:r>
+          </a:p>
+          <a:p>
+            <a:r>
+              <a:rPr lang="sv-SE" dirty="0"/>
+              <a:t>Use the flag --restart=Never, to create pod.</a:t>
+            </a:r>
+          </a:p>
+          <a:p>
+            <a:r>
+              <a:rPr lang="sv-SE" dirty="0"/>
+              <a:t>Use your docker knowledge to find out how to exec into the container and run some command.</a:t>
+            </a:r>
+          </a:p>
+          <a:p>
+            <a:r>
+              <a:rPr lang="sv-SE" dirty="0"/>
+              <a:t>Now find out how to label your pod with enviroment=dev</a:t>
+            </a:r>
+          </a:p>
+          <a:p>
+            <a:pPr lvl="1"/>
+            <a:r>
+              <a:rPr lang="sv-SE" dirty="0" err="1"/>
+              <a:t>What</a:t>
+            </a:r>
+            <a:r>
+              <a:rPr lang="sv-SE" dirty="0"/>
+              <a:t> </a:t>
+            </a:r>
+            <a:r>
+              <a:rPr lang="sv-SE" dirty="0" err="1"/>
+              <a:t>does</a:t>
+            </a:r>
+            <a:r>
+              <a:rPr lang="sv-SE" dirty="0"/>
+              <a:t> it </a:t>
+            </a:r>
+            <a:r>
+              <a:rPr lang="sv-SE" dirty="0" err="1"/>
+              <a:t>mean</a:t>
+            </a:r>
+            <a:r>
+              <a:rPr lang="sv-SE" dirty="0"/>
+              <a:t>?</a:t>
+            </a:r>
+          </a:p>
+          <a:p>
+            <a:endParaRPr lang="sv-SE" dirty="0"/>
           </a:p>
           <a:p>
             <a:endParaRPr lang="sv-SE" dirty="0"/>
@@ -15830,7 +16034,7 @@
     </p:spTree>
     <p:extLst>
       <p:ext uri="{BB962C8B-B14F-4D97-AF65-F5344CB8AC3E}">
-        <p14:creationId xmlns:p14="http://schemas.microsoft.com/office/powerpoint/2010/main" val="3244960113"/>
+        <p14:creationId xmlns:p14="http://schemas.microsoft.com/office/powerpoint/2010/main" val="2262599259"/>
       </p:ext>
     </p:extLst>
   </p:cSld>
@@ -15862,296 +16066,6 @@
           <p:cNvPr id="2" name="Rubrik 1">
             <a:extLst>
               <a:ext uri="{FF2B5EF4-FFF2-40B4-BE49-F238E27FC236}">
-                <a16:creationId xmlns:a16="http://schemas.microsoft.com/office/drawing/2014/main" id="{CBA01E2F-A945-49F5-B98A-438A2FF7E22B}"/>
-              </a:ext>
-            </a:extLst>
-          </p:cNvPr>
-          <p:cNvSpPr>
-            <a:spLocks noGrp="1"/>
-          </p:cNvSpPr>
-          <p:nvPr>
-            <p:ph type="title"/>
-          </p:nvPr>
-        </p:nvSpPr>
-        <p:spPr/>
-        <p:txBody>
-          <a:bodyPr/>
-          <a:lstStyle/>
-          <a:p>
-            <a:pPr algn="ctr"/>
-            <a:r>
-              <a:rPr lang="sv-SE" dirty="0"/>
-              <a:t>15 </a:t>
-            </a:r>
-            <a:r>
-              <a:rPr lang="sv-SE" dirty="0" err="1"/>
-              <a:t>minute</a:t>
-            </a:r>
-            <a:r>
-              <a:rPr lang="sv-SE" dirty="0"/>
-              <a:t> </a:t>
-            </a:r>
-            <a:r>
-              <a:rPr lang="sv-SE" dirty="0" err="1"/>
-              <a:t>Excercise</a:t>
-            </a:r>
-            <a:r>
-              <a:rPr lang="sv-SE" dirty="0"/>
-              <a:t> </a:t>
-            </a:r>
-            <a:r>
-              <a:rPr lang="sv-SE" dirty="0" err="1"/>
-              <a:t>Pods</a:t>
-            </a:r>
-            <a:endParaRPr lang="en-SE" dirty="0"/>
-          </a:p>
-        </p:txBody>
-      </p:sp>
-      <p:sp>
-        <p:nvSpPr>
-          <p:cNvPr id="3" name="Platshållare för innehåll 2">
-            <a:extLst>
-              <a:ext uri="{FF2B5EF4-FFF2-40B4-BE49-F238E27FC236}">
-                <a16:creationId xmlns:a16="http://schemas.microsoft.com/office/drawing/2014/main" id="{A2DBBB70-ED69-4934-95F1-E99FE116D639}"/>
-              </a:ext>
-            </a:extLst>
-          </p:cNvPr>
-          <p:cNvSpPr>
-            <a:spLocks noGrp="1"/>
-          </p:cNvSpPr>
-          <p:nvPr>
-            <p:ph idx="1"/>
-          </p:nvPr>
-        </p:nvSpPr>
-        <p:spPr>
-          <a:xfrm>
-            <a:off x="838200" y="1502164"/>
-            <a:ext cx="10515600" cy="4774228"/>
-          </a:xfrm>
-        </p:spPr>
-        <p:txBody>
-          <a:bodyPr>
-            <a:normAutofit/>
-          </a:bodyPr>
-          <a:lstStyle/>
-          <a:p>
-            <a:r>
-              <a:rPr lang="sv-SE" dirty="0" err="1"/>
-              <a:t>Use</a:t>
-            </a:r>
-            <a:r>
-              <a:rPr lang="sv-SE" dirty="0"/>
-              <a:t> </a:t>
-            </a:r>
-            <a:r>
-              <a:rPr lang="sv-SE" dirty="0" err="1"/>
-              <a:t>your</a:t>
-            </a:r>
-            <a:r>
-              <a:rPr lang="sv-SE" dirty="0"/>
-              <a:t> </a:t>
-            </a:r>
-            <a:r>
-              <a:rPr lang="sv-SE" dirty="0" err="1"/>
-              <a:t>knowledge</a:t>
-            </a:r>
-            <a:r>
-              <a:rPr lang="sv-SE" dirty="0"/>
-              <a:t> </a:t>
-            </a:r>
-            <a:r>
-              <a:rPr lang="sv-SE" dirty="0" err="1"/>
-              <a:t>of</a:t>
-            </a:r>
-            <a:r>
-              <a:rPr lang="sv-SE" dirty="0"/>
-              <a:t> </a:t>
-            </a:r>
-            <a:r>
-              <a:rPr lang="sv-SE" dirty="0" err="1"/>
-              <a:t>docker</a:t>
-            </a:r>
-            <a:r>
-              <a:rPr lang="sv-SE" dirty="0"/>
-              <a:t> and </a:t>
-            </a:r>
-            <a:r>
-              <a:rPr lang="sv-SE" dirty="0" err="1"/>
-              <a:t>mankier</a:t>
-            </a:r>
-            <a:r>
-              <a:rPr lang="sv-SE" dirty="0"/>
-              <a:t> to </a:t>
-            </a:r>
-            <a:r>
-              <a:rPr lang="sv-SE" dirty="0" err="1"/>
-              <a:t>find</a:t>
-            </a:r>
-            <a:r>
-              <a:rPr lang="sv-SE" dirty="0"/>
-              <a:t> </a:t>
-            </a:r>
-            <a:r>
-              <a:rPr lang="sv-SE" dirty="0" err="1"/>
-              <a:t>out</a:t>
-            </a:r>
-            <a:r>
-              <a:rPr lang="sv-SE" dirty="0"/>
-              <a:t> </a:t>
-            </a:r>
-            <a:r>
-              <a:rPr lang="sv-SE" dirty="0" err="1"/>
-              <a:t>how</a:t>
-            </a:r>
-            <a:r>
-              <a:rPr lang="sv-SE" dirty="0"/>
-              <a:t> to spin </a:t>
-            </a:r>
-            <a:r>
-              <a:rPr lang="sv-SE" dirty="0" err="1"/>
-              <a:t>up</a:t>
-            </a:r>
-            <a:r>
-              <a:rPr lang="sv-SE" dirty="0"/>
-              <a:t> a </a:t>
-            </a:r>
-            <a:r>
-              <a:rPr lang="sv-SE" dirty="0" err="1"/>
-              <a:t>pod</a:t>
-            </a:r>
-            <a:r>
-              <a:rPr lang="sv-SE" dirty="0"/>
-              <a:t> </a:t>
-            </a:r>
-            <a:r>
-              <a:rPr lang="sv-SE" dirty="0" err="1"/>
-              <a:t>with</a:t>
-            </a:r>
-            <a:r>
-              <a:rPr lang="sv-SE" dirty="0"/>
-              <a:t> the </a:t>
-            </a:r>
-            <a:r>
-              <a:rPr lang="sv-SE" dirty="0" err="1"/>
-              <a:t>httpd</a:t>
-            </a:r>
-            <a:r>
-              <a:rPr lang="sv-SE" dirty="0"/>
-              <a:t> image in </a:t>
-            </a:r>
-            <a:r>
-              <a:rPr lang="sv-SE" dirty="0" err="1"/>
-              <a:t>openshift</a:t>
-            </a:r>
-            <a:r>
-              <a:rPr lang="sv-SE" dirty="0"/>
-              <a:t>.</a:t>
-            </a:r>
-          </a:p>
-          <a:p>
-            <a:pPr lvl="1"/>
-            <a:r>
-              <a:rPr lang="sv-SE" dirty="0">
-                <a:hlinkClick r:id="rId2"/>
-              </a:rPr>
-              <a:t>https://www.mankier.com/1/kubectl-run</a:t>
-            </a:r>
-            <a:endParaRPr lang="sv-SE" dirty="0"/>
-          </a:p>
-          <a:p>
-            <a:r>
-              <a:rPr lang="sv-SE" dirty="0"/>
-              <a:t>User the --dry-run=client flag to verify object before creation.</a:t>
-            </a:r>
-          </a:p>
-          <a:p>
-            <a:r>
-              <a:rPr lang="sv-SE" dirty="0"/>
-              <a:t>Use the flag --restart=Never, to create pod.</a:t>
-            </a:r>
-          </a:p>
-          <a:p>
-            <a:r>
-              <a:rPr lang="sv-SE" dirty="0"/>
-              <a:t>Use your docker knowledge to find out how to exec into the container and run some command.</a:t>
-            </a:r>
-          </a:p>
-          <a:p>
-            <a:r>
-              <a:rPr lang="sv-SE" dirty="0"/>
-              <a:t>Now find out how to label your pod with enviroment=dev</a:t>
-            </a:r>
-          </a:p>
-          <a:p>
-            <a:pPr lvl="1"/>
-            <a:r>
-              <a:rPr lang="sv-SE" dirty="0" err="1"/>
-              <a:t>What</a:t>
-            </a:r>
-            <a:r>
-              <a:rPr lang="sv-SE" dirty="0"/>
-              <a:t> </a:t>
-            </a:r>
-            <a:r>
-              <a:rPr lang="sv-SE" dirty="0" err="1"/>
-              <a:t>does</a:t>
-            </a:r>
-            <a:r>
-              <a:rPr lang="sv-SE" dirty="0"/>
-              <a:t> it </a:t>
-            </a:r>
-            <a:r>
-              <a:rPr lang="sv-SE" dirty="0" err="1"/>
-              <a:t>mean</a:t>
-            </a:r>
-            <a:r>
-              <a:rPr lang="sv-SE" dirty="0"/>
-              <a:t>?</a:t>
-            </a:r>
-          </a:p>
-          <a:p>
-            <a:endParaRPr lang="sv-SE" dirty="0"/>
-          </a:p>
-          <a:p>
-            <a:endParaRPr lang="sv-SE" dirty="0"/>
-          </a:p>
-        </p:txBody>
-      </p:sp>
-    </p:spTree>
-    <p:extLst>
-      <p:ext uri="{BB962C8B-B14F-4D97-AF65-F5344CB8AC3E}">
-        <p14:creationId xmlns:p14="http://schemas.microsoft.com/office/powerpoint/2010/main" val="2262599259"/>
-      </p:ext>
-    </p:extLst>
-  </p:cSld>
-  <p:clrMapOvr>
-    <a:masterClrMapping/>
-  </p:clrMapOvr>
-</p:sld>
-</file>
-
-<file path=ppt/slides/slide32.xml><?xml version="1.0" encoding="utf-8"?>
-<p:sld xmlns:a="http://schemas.openxmlformats.org/drawingml/2006/main" xmlns:r="http://schemas.openxmlformats.org/officeDocument/2006/relationships" xmlns:p="http://schemas.openxmlformats.org/presentationml/2006/main">
-  <p:cSld>
-    <p:spTree>
-      <p:nvGrpSpPr>
-        <p:cNvPr id="1" name=""/>
-        <p:cNvGrpSpPr/>
-        <p:nvPr/>
-      </p:nvGrpSpPr>
-      <p:grpSpPr>
-        <a:xfrm>
-          <a:off x="0" y="0"/>
-          <a:ext cx="0" cy="0"/>
-          <a:chOff x="0" y="0"/>
-          <a:chExt cx="0" cy="0"/>
-        </a:xfrm>
-      </p:grpSpPr>
-      <p:sp>
-        <p:nvSpPr>
-          <p:cNvPr id="2" name="Rubrik 1">
-            <a:extLst>
-              <a:ext uri="{FF2B5EF4-FFF2-40B4-BE49-F238E27FC236}">
                 <a16:creationId xmlns:a16="http://schemas.microsoft.com/office/drawing/2014/main" id="{70EE3254-7DC2-4222-848B-C195E62001E4}"/>
               </a:ext>
             </a:extLst>
@@ -16507,7 +16421,7 @@
 </p:sld>
 </file>
 
-<file path=ppt/slides/slide33.xml><?xml version="1.0" encoding="utf-8"?>
+<file path=ppt/slides/slide32.xml><?xml version="1.0" encoding="utf-8"?>
 <p:sld xmlns:a="http://schemas.openxmlformats.org/drawingml/2006/main" xmlns:r="http://schemas.openxmlformats.org/officeDocument/2006/relationships" xmlns:p="http://schemas.openxmlformats.org/presentationml/2006/main">
   <p:cSld>
     <p:spTree>
@@ -16839,7 +16753,7 @@
 </p:sld>
 </file>
 
-<file path=ppt/slides/slide34.xml><?xml version="1.0" encoding="utf-8"?>
+<file path=ppt/slides/slide33.xml><?xml version="1.0" encoding="utf-8"?>
 <p:sld xmlns:a="http://schemas.openxmlformats.org/drawingml/2006/main" xmlns:r="http://schemas.openxmlformats.org/officeDocument/2006/relationships" xmlns:p="http://schemas.openxmlformats.org/presentationml/2006/main">
   <p:cSld>
     <p:spTree>
@@ -17180,7 +17094,7 @@
 </p:sld>
 </file>
 
-<file path=ppt/slides/slide35.xml><?xml version="1.0" encoding="utf-8"?>
+<file path=ppt/slides/slide34.xml><?xml version="1.0" encoding="utf-8"?>
 <p:sld xmlns:a="http://schemas.openxmlformats.org/drawingml/2006/main" xmlns:r="http://schemas.openxmlformats.org/officeDocument/2006/relationships" xmlns:p="http://schemas.openxmlformats.org/presentationml/2006/main">
   <p:cSld>
     <p:spTree>
@@ -17353,7 +17267,7 @@
 </p:sld>
 </file>
 
-<file path=ppt/slides/slide36.xml><?xml version="1.0" encoding="utf-8"?>
+<file path=ppt/slides/slide35.xml><?xml version="1.0" encoding="utf-8"?>
 <p:sld xmlns:a="http://schemas.openxmlformats.org/drawingml/2006/main" xmlns:r="http://schemas.openxmlformats.org/officeDocument/2006/relationships" xmlns:p="http://schemas.openxmlformats.org/presentationml/2006/main">
   <p:cSld>
     <p:spTree>
@@ -17796,6 +17710,322 @@
 </p:sld>
 </file>
 
+<file path=ppt/slides/slide36.xml><?xml version="1.0" encoding="utf-8"?>
+<p:sld xmlns:a="http://schemas.openxmlformats.org/drawingml/2006/main" xmlns:r="http://schemas.openxmlformats.org/officeDocument/2006/relationships" xmlns:p="http://schemas.openxmlformats.org/presentationml/2006/main">
+  <p:cSld>
+    <p:spTree>
+      <p:nvGrpSpPr>
+        <p:cNvPr id="1" name=""/>
+        <p:cNvGrpSpPr/>
+        <p:nvPr/>
+      </p:nvGrpSpPr>
+      <p:grpSpPr>
+        <a:xfrm>
+          <a:off x="0" y="0"/>
+          <a:ext cx="0" cy="0"/>
+          <a:chOff x="0" y="0"/>
+          <a:chExt cx="0" cy="0"/>
+        </a:xfrm>
+      </p:grpSpPr>
+      <p:sp>
+        <p:nvSpPr>
+          <p:cNvPr id="2" name="Rubrik 1">
+            <a:extLst>
+              <a:ext uri="{FF2B5EF4-FFF2-40B4-BE49-F238E27FC236}">
+                <a16:creationId xmlns:a16="http://schemas.microsoft.com/office/drawing/2014/main" id="{9EC546F9-5AE5-4FBB-82FC-40E4101DCE15}"/>
+              </a:ext>
+            </a:extLst>
+          </p:cNvPr>
+          <p:cNvSpPr>
+            <a:spLocks noGrp="1"/>
+          </p:cNvSpPr>
+          <p:nvPr>
+            <p:ph type="title"/>
+          </p:nvPr>
+        </p:nvSpPr>
+        <p:spPr/>
+        <p:txBody>
+          <a:bodyPr/>
+          <a:lstStyle/>
+          <a:p>
+            <a:pPr algn="ctr"/>
+            <a:r>
+              <a:rPr lang="sv-SE" dirty="0"/>
+              <a:t>15 </a:t>
+            </a:r>
+            <a:r>
+              <a:rPr lang="sv-SE" dirty="0" err="1"/>
+              <a:t>minute</a:t>
+            </a:r>
+            <a:r>
+              <a:rPr lang="sv-SE" dirty="0"/>
+              <a:t> </a:t>
+            </a:r>
+            <a:r>
+              <a:rPr lang="sv-SE" dirty="0" err="1"/>
+              <a:t>excercise</a:t>
+            </a:r>
+            <a:r>
+              <a:rPr lang="sv-SE" dirty="0"/>
+              <a:t> Services</a:t>
+            </a:r>
+            <a:endParaRPr lang="en-SE" dirty="0"/>
+          </a:p>
+        </p:txBody>
+      </p:sp>
+      <p:sp>
+        <p:nvSpPr>
+          <p:cNvPr id="3" name="Platshållare för innehåll 2">
+            <a:extLst>
+              <a:ext uri="{FF2B5EF4-FFF2-40B4-BE49-F238E27FC236}">
+                <a16:creationId xmlns:a16="http://schemas.microsoft.com/office/drawing/2014/main" id="{427BFFB6-5F7B-4CE3-AE81-B3CF0288ED15}"/>
+              </a:ext>
+            </a:extLst>
+          </p:cNvPr>
+          <p:cNvSpPr>
+            <a:spLocks noGrp="1"/>
+          </p:cNvSpPr>
+          <p:nvPr>
+            <p:ph idx="1"/>
+          </p:nvPr>
+        </p:nvSpPr>
+        <p:spPr/>
+        <p:txBody>
+          <a:bodyPr/>
+          <a:lstStyle/>
+          <a:p>
+            <a:r>
+              <a:rPr lang="sv-SE" dirty="0" err="1"/>
+              <a:t>Create</a:t>
+            </a:r>
+            <a:r>
+              <a:rPr lang="sv-SE" dirty="0"/>
+              <a:t> a service for the </a:t>
+            </a:r>
+            <a:r>
+              <a:rPr lang="sv-SE" dirty="0" err="1"/>
+              <a:t>httpd</a:t>
+            </a:r>
+            <a:r>
+              <a:rPr lang="sv-SE" dirty="0"/>
+              <a:t> </a:t>
+            </a:r>
+            <a:r>
+              <a:rPr lang="sv-SE" dirty="0" err="1"/>
+              <a:t>pod</a:t>
+            </a:r>
+            <a:r>
+              <a:rPr lang="sv-SE" dirty="0"/>
+              <a:t> </a:t>
+            </a:r>
+            <a:r>
+              <a:rPr lang="sv-SE" dirty="0" err="1"/>
+              <a:t>using</a:t>
+            </a:r>
+            <a:r>
+              <a:rPr lang="sv-SE" dirty="0"/>
+              <a:t> the </a:t>
+            </a:r>
+            <a:r>
+              <a:rPr lang="sv-SE" dirty="0" err="1"/>
+              <a:t>mankier</a:t>
+            </a:r>
+            <a:r>
+              <a:rPr lang="sv-SE" dirty="0"/>
+              <a:t> </a:t>
+            </a:r>
+            <a:r>
+              <a:rPr lang="sv-SE" dirty="0" err="1"/>
+              <a:t>documentation</a:t>
+            </a:r>
+            <a:endParaRPr lang="sv-SE" dirty="0"/>
+          </a:p>
+          <a:p>
+            <a:pPr lvl="1"/>
+            <a:r>
+              <a:rPr lang="sv-SE" dirty="0" err="1"/>
+              <a:t>You</a:t>
+            </a:r>
+            <a:r>
+              <a:rPr lang="sv-SE" dirty="0"/>
+              <a:t> </a:t>
+            </a:r>
+            <a:r>
+              <a:rPr lang="sv-SE" dirty="0" err="1"/>
+              <a:t>can</a:t>
+            </a:r>
+            <a:r>
+              <a:rPr lang="sv-SE" dirty="0"/>
+              <a:t> </a:t>
+            </a:r>
+            <a:r>
+              <a:rPr lang="sv-SE" dirty="0" err="1"/>
+              <a:t>lookup</a:t>
+            </a:r>
+            <a:r>
+              <a:rPr lang="sv-SE" dirty="0"/>
+              <a:t> </a:t>
+            </a:r>
+            <a:r>
+              <a:rPr lang="sv-SE" dirty="0" err="1"/>
+              <a:t>kubectl-expose</a:t>
+            </a:r>
+            <a:endParaRPr lang="sv-SE" dirty="0"/>
+          </a:p>
+          <a:p>
+            <a:r>
+              <a:rPr lang="sv-SE" dirty="0" err="1"/>
+              <a:t>Create</a:t>
+            </a:r>
+            <a:r>
+              <a:rPr lang="sv-SE" dirty="0"/>
+              <a:t> a </a:t>
+            </a:r>
+            <a:r>
+              <a:rPr lang="sv-SE" dirty="0" err="1"/>
+              <a:t>another</a:t>
+            </a:r>
+            <a:r>
+              <a:rPr lang="sv-SE" dirty="0"/>
+              <a:t> </a:t>
+            </a:r>
+            <a:r>
+              <a:rPr lang="sv-SE" dirty="0" err="1"/>
+              <a:t>httpd</a:t>
+            </a:r>
+            <a:r>
+              <a:rPr lang="sv-SE" dirty="0"/>
+              <a:t> </a:t>
+            </a:r>
+            <a:r>
+              <a:rPr lang="sv-SE" dirty="0" err="1"/>
+              <a:t>pod</a:t>
+            </a:r>
+            <a:r>
+              <a:rPr lang="sv-SE" dirty="0"/>
+              <a:t> and </a:t>
+            </a:r>
+            <a:r>
+              <a:rPr lang="sv-SE" dirty="0" err="1"/>
+              <a:t>curl</a:t>
+            </a:r>
+            <a:r>
+              <a:rPr lang="sv-SE" dirty="0"/>
+              <a:t> the </a:t>
+            </a:r>
+            <a:r>
+              <a:rPr lang="sv-SE" dirty="0" err="1"/>
+              <a:t>other</a:t>
+            </a:r>
+            <a:r>
+              <a:rPr lang="sv-SE" dirty="0"/>
+              <a:t> </a:t>
+            </a:r>
+            <a:r>
+              <a:rPr lang="sv-SE" dirty="0" err="1"/>
+              <a:t>httpd</a:t>
+            </a:r>
+            <a:r>
+              <a:rPr lang="sv-SE" dirty="0"/>
+              <a:t> service </a:t>
+            </a:r>
+            <a:r>
+              <a:rPr lang="sv-SE" dirty="0" err="1"/>
+              <a:t>using</a:t>
+            </a:r>
+            <a:r>
+              <a:rPr lang="sv-SE" dirty="0"/>
+              <a:t> service </a:t>
+            </a:r>
+            <a:r>
+              <a:rPr lang="sv-SE" dirty="0" err="1"/>
+              <a:t>name</a:t>
+            </a:r>
+            <a:r>
+              <a:rPr lang="sv-SE" dirty="0"/>
+              <a:t> and port. </a:t>
+            </a:r>
+          </a:p>
+          <a:p>
+            <a:r>
+              <a:rPr lang="sv-SE" dirty="0"/>
+              <a:t>The service </a:t>
+            </a:r>
+            <a:r>
+              <a:rPr lang="sv-SE" dirty="0" err="1"/>
+              <a:t>will</a:t>
+            </a:r>
+            <a:r>
+              <a:rPr lang="sv-SE" dirty="0"/>
+              <a:t> </a:t>
+            </a:r>
+            <a:r>
+              <a:rPr lang="sv-SE" dirty="0" err="1"/>
+              <a:t>expose</a:t>
+            </a:r>
+            <a:r>
+              <a:rPr lang="sv-SE" dirty="0"/>
+              <a:t> the </a:t>
+            </a:r>
+            <a:r>
+              <a:rPr lang="sv-SE" dirty="0" err="1"/>
+              <a:t>pod</a:t>
+            </a:r>
+            <a:r>
+              <a:rPr lang="sv-SE" dirty="0"/>
+              <a:t> </a:t>
+            </a:r>
+            <a:r>
+              <a:rPr lang="sv-SE" dirty="0" err="1"/>
+              <a:t>internally</a:t>
+            </a:r>
+            <a:r>
+              <a:rPr lang="sv-SE" dirty="0"/>
+              <a:t> in the </a:t>
+            </a:r>
+            <a:r>
+              <a:rPr lang="sv-SE" dirty="0" err="1"/>
+              <a:t>namespace</a:t>
+            </a:r>
+            <a:r>
+              <a:rPr lang="sv-SE" dirty="0"/>
+              <a:t> for </a:t>
+            </a:r>
+            <a:r>
+              <a:rPr lang="sv-SE" dirty="0" err="1"/>
+              <a:t>other</a:t>
+            </a:r>
+            <a:r>
+              <a:rPr lang="sv-SE" dirty="0"/>
+              <a:t> </a:t>
+            </a:r>
+            <a:r>
+              <a:rPr lang="sv-SE" dirty="0" err="1"/>
+              <a:t>pods</a:t>
+            </a:r>
+            <a:r>
+              <a:rPr lang="sv-SE" dirty="0"/>
+              <a:t>.</a:t>
+            </a:r>
+          </a:p>
+          <a:p>
+            <a:endParaRPr lang="sv-SE" dirty="0"/>
+          </a:p>
+        </p:txBody>
+      </p:sp>
+    </p:spTree>
+    <p:extLst>
+      <p:ext uri="{BB962C8B-B14F-4D97-AF65-F5344CB8AC3E}">
+        <p14:creationId xmlns:p14="http://schemas.microsoft.com/office/powerpoint/2010/main" val="1648466331"/>
+      </p:ext>
+    </p:extLst>
+  </p:cSld>
+  <p:clrMapOvr>
+    <a:masterClrMapping/>
+  </p:clrMapOvr>
+</p:sld>
+</file>
+
 <file path=ppt/slides/slide37.xml><?xml version="1.0" encoding="utf-8"?>
 <p:sld xmlns:a="http://schemas.openxmlformats.org/drawingml/2006/main" xmlns:r="http://schemas.openxmlformats.org/officeDocument/2006/relationships" xmlns:p="http://schemas.openxmlformats.org/presentationml/2006/main">
   <p:cSld>
@@ -17818,322 +18048,6 @@
           <p:cNvPr id="2" name="Rubrik 1">
             <a:extLst>
               <a:ext uri="{FF2B5EF4-FFF2-40B4-BE49-F238E27FC236}">
-                <a16:creationId xmlns:a16="http://schemas.microsoft.com/office/drawing/2014/main" id="{9EC546F9-5AE5-4FBB-82FC-40E4101DCE15}"/>
-              </a:ext>
-            </a:extLst>
-          </p:cNvPr>
-          <p:cNvSpPr>
-            <a:spLocks noGrp="1"/>
-          </p:cNvSpPr>
-          <p:nvPr>
-            <p:ph type="title"/>
-          </p:nvPr>
-        </p:nvSpPr>
-        <p:spPr/>
-        <p:txBody>
-          <a:bodyPr/>
-          <a:lstStyle/>
-          <a:p>
-            <a:pPr algn="ctr"/>
-            <a:r>
-              <a:rPr lang="sv-SE" dirty="0"/>
-              <a:t>15 </a:t>
-            </a:r>
-            <a:r>
-              <a:rPr lang="sv-SE" dirty="0" err="1"/>
-              <a:t>minute</a:t>
-            </a:r>
-            <a:r>
-              <a:rPr lang="sv-SE" dirty="0"/>
-              <a:t> </a:t>
-            </a:r>
-            <a:r>
-              <a:rPr lang="sv-SE" dirty="0" err="1"/>
-              <a:t>excercise</a:t>
-            </a:r>
-            <a:r>
-              <a:rPr lang="sv-SE" dirty="0"/>
-              <a:t> Services</a:t>
-            </a:r>
-            <a:endParaRPr lang="en-SE" dirty="0"/>
-          </a:p>
-        </p:txBody>
-      </p:sp>
-      <p:sp>
-        <p:nvSpPr>
-          <p:cNvPr id="3" name="Platshållare för innehåll 2">
-            <a:extLst>
-              <a:ext uri="{FF2B5EF4-FFF2-40B4-BE49-F238E27FC236}">
-                <a16:creationId xmlns:a16="http://schemas.microsoft.com/office/drawing/2014/main" id="{427BFFB6-5F7B-4CE3-AE81-B3CF0288ED15}"/>
-              </a:ext>
-            </a:extLst>
-          </p:cNvPr>
-          <p:cNvSpPr>
-            <a:spLocks noGrp="1"/>
-          </p:cNvSpPr>
-          <p:nvPr>
-            <p:ph idx="1"/>
-          </p:nvPr>
-        </p:nvSpPr>
-        <p:spPr/>
-        <p:txBody>
-          <a:bodyPr/>
-          <a:lstStyle/>
-          <a:p>
-            <a:r>
-              <a:rPr lang="sv-SE" dirty="0" err="1"/>
-              <a:t>Create</a:t>
-            </a:r>
-            <a:r>
-              <a:rPr lang="sv-SE" dirty="0"/>
-              <a:t> a service for the </a:t>
-            </a:r>
-            <a:r>
-              <a:rPr lang="sv-SE" dirty="0" err="1"/>
-              <a:t>httpd</a:t>
-            </a:r>
-            <a:r>
-              <a:rPr lang="sv-SE" dirty="0"/>
-              <a:t> </a:t>
-            </a:r>
-            <a:r>
-              <a:rPr lang="sv-SE" dirty="0" err="1"/>
-              <a:t>pod</a:t>
-            </a:r>
-            <a:r>
-              <a:rPr lang="sv-SE" dirty="0"/>
-              <a:t> </a:t>
-            </a:r>
-            <a:r>
-              <a:rPr lang="sv-SE" dirty="0" err="1"/>
-              <a:t>using</a:t>
-            </a:r>
-            <a:r>
-              <a:rPr lang="sv-SE" dirty="0"/>
-              <a:t> the </a:t>
-            </a:r>
-            <a:r>
-              <a:rPr lang="sv-SE" dirty="0" err="1"/>
-              <a:t>mankier</a:t>
-            </a:r>
-            <a:r>
-              <a:rPr lang="sv-SE" dirty="0"/>
-              <a:t> </a:t>
-            </a:r>
-            <a:r>
-              <a:rPr lang="sv-SE" dirty="0" err="1"/>
-              <a:t>documentation</a:t>
-            </a:r>
-            <a:endParaRPr lang="sv-SE" dirty="0"/>
-          </a:p>
-          <a:p>
-            <a:pPr lvl="1"/>
-            <a:r>
-              <a:rPr lang="sv-SE" dirty="0" err="1"/>
-              <a:t>You</a:t>
-            </a:r>
-            <a:r>
-              <a:rPr lang="sv-SE" dirty="0"/>
-              <a:t> </a:t>
-            </a:r>
-            <a:r>
-              <a:rPr lang="sv-SE" dirty="0" err="1"/>
-              <a:t>can</a:t>
-            </a:r>
-            <a:r>
-              <a:rPr lang="sv-SE" dirty="0"/>
-              <a:t> </a:t>
-            </a:r>
-            <a:r>
-              <a:rPr lang="sv-SE" dirty="0" err="1"/>
-              <a:t>lookup</a:t>
-            </a:r>
-            <a:r>
-              <a:rPr lang="sv-SE" dirty="0"/>
-              <a:t> </a:t>
-            </a:r>
-            <a:r>
-              <a:rPr lang="sv-SE" dirty="0" err="1"/>
-              <a:t>oc-expose</a:t>
-            </a:r>
-            <a:endParaRPr lang="sv-SE" dirty="0"/>
-          </a:p>
-          <a:p>
-            <a:r>
-              <a:rPr lang="sv-SE" dirty="0" err="1"/>
-              <a:t>Create</a:t>
-            </a:r>
-            <a:r>
-              <a:rPr lang="sv-SE" dirty="0"/>
-              <a:t> a </a:t>
-            </a:r>
-            <a:r>
-              <a:rPr lang="sv-SE" dirty="0" err="1"/>
-              <a:t>another</a:t>
-            </a:r>
-            <a:r>
-              <a:rPr lang="sv-SE" dirty="0"/>
-              <a:t> </a:t>
-            </a:r>
-            <a:r>
-              <a:rPr lang="sv-SE" dirty="0" err="1"/>
-              <a:t>httpd</a:t>
-            </a:r>
-            <a:r>
-              <a:rPr lang="sv-SE" dirty="0"/>
-              <a:t> </a:t>
-            </a:r>
-            <a:r>
-              <a:rPr lang="sv-SE" dirty="0" err="1"/>
-              <a:t>pod</a:t>
-            </a:r>
-            <a:r>
-              <a:rPr lang="sv-SE" dirty="0"/>
-              <a:t> and </a:t>
-            </a:r>
-            <a:r>
-              <a:rPr lang="sv-SE" dirty="0" err="1"/>
-              <a:t>curl</a:t>
-            </a:r>
-            <a:r>
-              <a:rPr lang="sv-SE" dirty="0"/>
-              <a:t> the </a:t>
-            </a:r>
-            <a:r>
-              <a:rPr lang="sv-SE" dirty="0" err="1"/>
-              <a:t>other</a:t>
-            </a:r>
-            <a:r>
-              <a:rPr lang="sv-SE" dirty="0"/>
-              <a:t> </a:t>
-            </a:r>
-            <a:r>
-              <a:rPr lang="sv-SE" dirty="0" err="1"/>
-              <a:t>httpd</a:t>
-            </a:r>
-            <a:r>
-              <a:rPr lang="sv-SE" dirty="0"/>
-              <a:t> service </a:t>
-            </a:r>
-            <a:r>
-              <a:rPr lang="sv-SE" dirty="0" err="1"/>
-              <a:t>using</a:t>
-            </a:r>
-            <a:r>
-              <a:rPr lang="sv-SE" dirty="0"/>
-              <a:t> service </a:t>
-            </a:r>
-            <a:r>
-              <a:rPr lang="sv-SE" dirty="0" err="1"/>
-              <a:t>name</a:t>
-            </a:r>
-            <a:r>
-              <a:rPr lang="sv-SE" dirty="0"/>
-              <a:t> and port. </a:t>
-            </a:r>
-          </a:p>
-          <a:p>
-            <a:r>
-              <a:rPr lang="sv-SE" dirty="0"/>
-              <a:t>The service </a:t>
-            </a:r>
-            <a:r>
-              <a:rPr lang="sv-SE" dirty="0" err="1"/>
-              <a:t>will</a:t>
-            </a:r>
-            <a:r>
-              <a:rPr lang="sv-SE" dirty="0"/>
-              <a:t> </a:t>
-            </a:r>
-            <a:r>
-              <a:rPr lang="sv-SE" dirty="0" err="1"/>
-              <a:t>expose</a:t>
-            </a:r>
-            <a:r>
-              <a:rPr lang="sv-SE" dirty="0"/>
-              <a:t> the </a:t>
-            </a:r>
-            <a:r>
-              <a:rPr lang="sv-SE" dirty="0" err="1"/>
-              <a:t>pod</a:t>
-            </a:r>
-            <a:r>
-              <a:rPr lang="sv-SE" dirty="0"/>
-              <a:t> </a:t>
-            </a:r>
-            <a:r>
-              <a:rPr lang="sv-SE" dirty="0" err="1"/>
-              <a:t>internally</a:t>
-            </a:r>
-            <a:r>
-              <a:rPr lang="sv-SE" dirty="0"/>
-              <a:t> in the </a:t>
-            </a:r>
-            <a:r>
-              <a:rPr lang="sv-SE" dirty="0" err="1"/>
-              <a:t>namespace</a:t>
-            </a:r>
-            <a:r>
-              <a:rPr lang="sv-SE" dirty="0"/>
-              <a:t> for </a:t>
-            </a:r>
-            <a:r>
-              <a:rPr lang="sv-SE" dirty="0" err="1"/>
-              <a:t>other</a:t>
-            </a:r>
-            <a:r>
-              <a:rPr lang="sv-SE" dirty="0"/>
-              <a:t> </a:t>
-            </a:r>
-            <a:r>
-              <a:rPr lang="sv-SE" dirty="0" err="1"/>
-              <a:t>pods</a:t>
-            </a:r>
-            <a:r>
-              <a:rPr lang="sv-SE" dirty="0"/>
-              <a:t>.</a:t>
-            </a:r>
-          </a:p>
-          <a:p>
-            <a:endParaRPr lang="sv-SE" dirty="0"/>
-          </a:p>
-        </p:txBody>
-      </p:sp>
-    </p:spTree>
-    <p:extLst>
-      <p:ext uri="{BB962C8B-B14F-4D97-AF65-F5344CB8AC3E}">
-        <p14:creationId xmlns:p14="http://schemas.microsoft.com/office/powerpoint/2010/main" val="1648466331"/>
-      </p:ext>
-    </p:extLst>
-  </p:cSld>
-  <p:clrMapOvr>
-    <a:masterClrMapping/>
-  </p:clrMapOvr>
-</p:sld>
-</file>
-
-<file path=ppt/slides/slide38.xml><?xml version="1.0" encoding="utf-8"?>
-<p:sld xmlns:a="http://schemas.openxmlformats.org/drawingml/2006/main" xmlns:r="http://schemas.openxmlformats.org/officeDocument/2006/relationships" xmlns:p="http://schemas.openxmlformats.org/presentationml/2006/main">
-  <p:cSld>
-    <p:spTree>
-      <p:nvGrpSpPr>
-        <p:cNvPr id="1" name=""/>
-        <p:cNvGrpSpPr/>
-        <p:nvPr/>
-      </p:nvGrpSpPr>
-      <p:grpSpPr>
-        <a:xfrm>
-          <a:off x="0" y="0"/>
-          <a:ext cx="0" cy="0"/>
-          <a:chOff x="0" y="0"/>
-          <a:chExt cx="0" cy="0"/>
-        </a:xfrm>
-      </p:grpSpPr>
-      <p:sp>
-        <p:nvSpPr>
-          <p:cNvPr id="2" name="Rubrik 1">
-            <a:extLst>
-              <a:ext uri="{FF2B5EF4-FFF2-40B4-BE49-F238E27FC236}">
                 <a16:creationId xmlns:a16="http://schemas.microsoft.com/office/drawing/2014/main" id="{F632D466-78D6-45EF-A118-9A133A5FFE1B}"/>
               </a:ext>
             </a:extLst>
@@ -18367,7 +18281,7 @@
 </p:sld>
 </file>
 
-<file path=ppt/slides/slide39.xml><?xml version="1.0" encoding="utf-8"?>
+<file path=ppt/slides/slide38.xml><?xml version="1.0" encoding="utf-8"?>
 <p:sld xmlns:a="http://schemas.openxmlformats.org/drawingml/2006/main" xmlns:r="http://schemas.openxmlformats.org/officeDocument/2006/relationships" xmlns:p="http://schemas.openxmlformats.org/presentationml/2006/main">
   <p:cSld>
     <p:spTree>
@@ -18696,6 +18610,200 @@
     <p:extLst>
       <p:ext uri="{BB962C8B-B14F-4D97-AF65-F5344CB8AC3E}">
         <p14:creationId xmlns:p14="http://schemas.microsoft.com/office/powerpoint/2010/main" val="781420826"/>
+      </p:ext>
+    </p:extLst>
+  </p:cSld>
+  <p:clrMapOvr>
+    <a:masterClrMapping/>
+  </p:clrMapOvr>
+</p:sld>
+</file>
+
+<file path=ppt/slides/slide39.xml><?xml version="1.0" encoding="utf-8"?>
+<p:sld xmlns:a="http://schemas.openxmlformats.org/drawingml/2006/main" xmlns:r="http://schemas.openxmlformats.org/officeDocument/2006/relationships" xmlns:p="http://schemas.openxmlformats.org/presentationml/2006/main">
+  <p:cSld>
+    <p:spTree>
+      <p:nvGrpSpPr>
+        <p:cNvPr id="1" name=""/>
+        <p:cNvGrpSpPr/>
+        <p:nvPr/>
+      </p:nvGrpSpPr>
+      <p:grpSpPr>
+        <a:xfrm>
+          <a:off x="0" y="0"/>
+          <a:ext cx="0" cy="0"/>
+          <a:chOff x="0" y="0"/>
+          <a:chExt cx="0" cy="0"/>
+        </a:xfrm>
+      </p:grpSpPr>
+      <p:sp>
+        <p:nvSpPr>
+          <p:cNvPr id="2" name="Rubrik 1">
+            <a:extLst>
+              <a:ext uri="{FF2B5EF4-FFF2-40B4-BE49-F238E27FC236}">
+                <a16:creationId xmlns:a16="http://schemas.microsoft.com/office/drawing/2014/main" id="{F2E7A3A3-1A61-494D-877C-430D2EB7D4B8}"/>
+              </a:ext>
+            </a:extLst>
+          </p:cNvPr>
+          <p:cNvSpPr>
+            <a:spLocks noGrp="1"/>
+          </p:cNvSpPr>
+          <p:nvPr>
+            <p:ph type="title"/>
+          </p:nvPr>
+        </p:nvSpPr>
+        <p:spPr/>
+        <p:txBody>
+          <a:bodyPr/>
+          <a:lstStyle/>
+          <a:p>
+            <a:pPr algn="ctr"/>
+            <a:r>
+              <a:rPr lang="sv-SE" dirty="0"/>
+              <a:t>15 </a:t>
+            </a:r>
+            <a:r>
+              <a:rPr lang="sv-SE" dirty="0" err="1"/>
+              <a:t>minute</a:t>
+            </a:r>
+            <a:r>
+              <a:rPr lang="sv-SE" dirty="0"/>
+              <a:t> </a:t>
+            </a:r>
+            <a:r>
+              <a:rPr lang="sv-SE" dirty="0" err="1"/>
+              <a:t>excercise</a:t>
+            </a:r>
+            <a:r>
+              <a:rPr lang="sv-SE" dirty="0"/>
+              <a:t> Routes/Ingress</a:t>
+            </a:r>
+            <a:endParaRPr lang="en-SE" dirty="0"/>
+          </a:p>
+        </p:txBody>
+      </p:sp>
+      <p:sp>
+        <p:nvSpPr>
+          <p:cNvPr id="3" name="Platshållare för innehåll 2">
+            <a:extLst>
+              <a:ext uri="{FF2B5EF4-FFF2-40B4-BE49-F238E27FC236}">
+                <a16:creationId xmlns:a16="http://schemas.microsoft.com/office/drawing/2014/main" id="{9FD2C88E-3ED5-4C12-A0DF-46C5FFADB7AB}"/>
+              </a:ext>
+            </a:extLst>
+          </p:cNvPr>
+          <p:cNvSpPr>
+            <a:spLocks noGrp="1"/>
+          </p:cNvSpPr>
+          <p:nvPr>
+            <p:ph idx="1"/>
+          </p:nvPr>
+        </p:nvSpPr>
+        <p:spPr/>
+        <p:txBody>
+          <a:bodyPr/>
+          <a:lstStyle/>
+          <a:p>
+            <a:r>
+              <a:rPr lang="sv-SE" dirty="0" err="1"/>
+              <a:t>Use</a:t>
+            </a:r>
+            <a:r>
+              <a:rPr lang="sv-SE" dirty="0"/>
+              <a:t> the </a:t>
+            </a:r>
+            <a:r>
+              <a:rPr lang="sv-SE" dirty="0" err="1"/>
+              <a:t>previous</a:t>
+            </a:r>
+            <a:r>
+              <a:rPr lang="sv-SE" dirty="0"/>
+              <a:t> </a:t>
+            </a:r>
+            <a:r>
+              <a:rPr lang="sv-SE" dirty="0" err="1"/>
+              <a:t>slide</a:t>
+            </a:r>
+            <a:r>
+              <a:rPr lang="sv-SE" dirty="0"/>
+              <a:t> and </a:t>
+            </a:r>
+            <a:r>
+              <a:rPr lang="sv-SE" dirty="0" err="1"/>
+              <a:t>kubernetes</a:t>
+            </a:r>
+            <a:r>
+              <a:rPr lang="sv-SE" dirty="0"/>
+              <a:t> </a:t>
+            </a:r>
+            <a:r>
+              <a:rPr lang="sv-SE" dirty="0" err="1"/>
+              <a:t>docs</a:t>
+            </a:r>
+            <a:r>
+              <a:rPr lang="sv-SE" dirty="0"/>
+              <a:t> to </a:t>
+            </a:r>
+            <a:r>
+              <a:rPr lang="sv-SE" dirty="0" err="1"/>
+              <a:t>expose</a:t>
+            </a:r>
+            <a:r>
+              <a:rPr lang="sv-SE" dirty="0"/>
+              <a:t> </a:t>
+            </a:r>
+            <a:r>
+              <a:rPr lang="sv-SE" dirty="0" err="1"/>
+              <a:t>your</a:t>
+            </a:r>
+            <a:r>
+              <a:rPr lang="sv-SE" dirty="0"/>
+              <a:t> </a:t>
+            </a:r>
+            <a:r>
+              <a:rPr lang="sv-SE" dirty="0" err="1"/>
+              <a:t>httpd</a:t>
+            </a:r>
+            <a:r>
+              <a:rPr lang="sv-SE" dirty="0"/>
+              <a:t> </a:t>
+            </a:r>
+            <a:r>
+              <a:rPr lang="sv-SE" dirty="0" err="1"/>
+              <a:t>pod</a:t>
+            </a:r>
+            <a:r>
+              <a:rPr lang="sv-SE" dirty="0"/>
+              <a:t> </a:t>
+            </a:r>
+            <a:r>
+              <a:rPr lang="sv-SE" dirty="0" err="1"/>
+              <a:t>externally</a:t>
+            </a:r>
+            <a:r>
+              <a:rPr lang="sv-SE" dirty="0"/>
+              <a:t> </a:t>
+            </a:r>
+            <a:r>
+              <a:rPr lang="sv-SE" dirty="0" err="1"/>
+              <a:t>outside</a:t>
+            </a:r>
+            <a:r>
+              <a:rPr lang="sv-SE" dirty="0"/>
+              <a:t> the cluster.</a:t>
+            </a:r>
+          </a:p>
+          <a:p>
+            <a:endParaRPr lang="sv-SE" dirty="0"/>
+          </a:p>
+          <a:p>
+            <a:endParaRPr lang="en-SE" dirty="0"/>
+          </a:p>
+        </p:txBody>
+      </p:sp>
+    </p:spTree>
+    <p:extLst>
+      <p:ext uri="{BB962C8B-B14F-4D97-AF65-F5344CB8AC3E}">
+        <p14:creationId xmlns:p14="http://schemas.microsoft.com/office/powerpoint/2010/main" val="2602699626"/>
       </p:ext>
     </p:extLst>
   </p:cSld>
@@ -18789,7 +18897,7 @@
           <p:cNvPr id="2" name="Rubrik 1">
             <a:extLst>
               <a:ext uri="{FF2B5EF4-FFF2-40B4-BE49-F238E27FC236}">
-                <a16:creationId xmlns:a16="http://schemas.microsoft.com/office/drawing/2014/main" id="{F2E7A3A3-1A61-494D-877C-430D2EB7D4B8}"/>
+                <a16:creationId xmlns:a16="http://schemas.microsoft.com/office/drawing/2014/main" id="{93A32C19-491E-45CD-9AFF-5D0852DAA8E4}"/>
               </a:ext>
             </a:extLst>
           </p:cNvPr>
@@ -18808,23 +18916,7 @@
             <a:pPr algn="ctr"/>
             <a:r>
               <a:rPr lang="sv-SE" dirty="0"/>
-              <a:t>15 </a:t>
-            </a:r>
-            <a:r>
-              <a:rPr lang="sv-SE" dirty="0" err="1"/>
-              <a:t>minute</a:t>
-            </a:r>
-            <a:r>
-              <a:rPr lang="sv-SE" dirty="0"/>
-              <a:t> </a:t>
-            </a:r>
-            <a:r>
-              <a:rPr lang="sv-SE" dirty="0" err="1"/>
-              <a:t>excercise</a:t>
-            </a:r>
-            <a:r>
-              <a:rPr lang="sv-SE" dirty="0"/>
-              <a:t> Routes</a:t>
+              <a:t>Challenge</a:t>
             </a:r>
             <a:endParaRPr lang="en-SE" dirty="0"/>
           </a:p>
@@ -18835,7 +18927,7 @@
           <p:cNvPr id="3" name="Platshållare för innehåll 2">
             <a:extLst>
               <a:ext uri="{FF2B5EF4-FFF2-40B4-BE49-F238E27FC236}">
-                <a16:creationId xmlns:a16="http://schemas.microsoft.com/office/drawing/2014/main" id="{9FD2C88E-3ED5-4C12-A0DF-46C5FFADB7AB}"/>
+                <a16:creationId xmlns:a16="http://schemas.microsoft.com/office/drawing/2014/main" id="{27B2FAA5-E1F3-48C0-8B76-67ACDE860765}"/>
               </a:ext>
             </a:extLst>
           </p:cNvPr>
@@ -18852,8 +18944,50 @@
           <a:lstStyle/>
           <a:p>
             <a:r>
-              <a:rPr lang="sv-SE" dirty="0" err="1"/>
-              <a:t>Use</a:t>
+              <a:rPr lang="sv-SE" dirty="0"/>
+              <a:t>Make a digital drawing of all the kubernetes objects and the relationsship between them.</a:t>
+            </a:r>
+          </a:p>
+          <a:p>
+            <a:r>
+              <a:rPr lang="sv-SE" dirty="0"/>
+              <a:t>Read the </a:t>
+            </a:r>
+            <a:r>
+              <a:rPr lang="sv-SE" dirty="0" err="1"/>
+              <a:t>kubernetes</a:t>
+            </a:r>
+            <a:r>
+              <a:rPr lang="sv-SE" dirty="0"/>
+              <a:t> </a:t>
+            </a:r>
+            <a:r>
+              <a:rPr lang="sv-SE" dirty="0" err="1"/>
+              <a:t>documentation</a:t>
+            </a:r>
+            <a:r>
+              <a:rPr lang="sv-SE" dirty="0"/>
+              <a:t> for </a:t>
+            </a:r>
+            <a:r>
+              <a:rPr lang="sv-SE" dirty="0" err="1"/>
+              <a:t>each</a:t>
+            </a:r>
+            <a:r>
+              <a:rPr lang="sv-SE" dirty="0"/>
+              <a:t> </a:t>
+            </a:r>
+            <a:r>
+              <a:rPr lang="sv-SE" dirty="0" err="1"/>
+              <a:t>object</a:t>
+            </a:r>
+            <a:r>
+              <a:rPr lang="sv-SE" dirty="0"/>
+              <a:t>, and </a:t>
+            </a:r>
+            <a:r>
+              <a:rPr lang="sv-SE" dirty="0" err="1"/>
+              <a:t>summarize</a:t>
             </a:r>
             <a:r>
               <a:rPr lang="sv-SE" dirty="0"/>
@@ -18861,7 +18995,7 @@
             </a:r>
             <a:r>
               <a:rPr lang="sv-SE" dirty="0" err="1"/>
-              <a:t>previous</a:t>
+              <a:t>specific</a:t>
             </a:r>
             <a:r>
               <a:rPr lang="sv-SE" dirty="0"/>
@@ -18869,23 +19003,15 @@
             </a:r>
             <a:r>
               <a:rPr lang="sv-SE" dirty="0" err="1"/>
-              <a:t>slide</a:t>
-            </a:r>
-            <a:r>
-              <a:rPr lang="sv-SE" dirty="0"/>
-              <a:t> and </a:t>
-            </a:r>
-            <a:r>
-              <a:rPr lang="sv-SE" dirty="0" err="1"/>
-              <a:t>openshift</a:t>
-            </a:r>
-            <a:r>
-              <a:rPr lang="sv-SE" dirty="0"/>
-              <a:t>/</a:t>
-            </a:r>
-            <a:r>
-              <a:rPr lang="sv-SE" dirty="0" err="1"/>
-              <a:t>kubernetes</a:t>
+              <a:t>goal</a:t>
+            </a:r>
+            <a:r>
+              <a:rPr lang="sv-SE" dirty="0"/>
+              <a:t> for </a:t>
+            </a:r>
+            <a:r>
+              <a:rPr lang="sv-SE" dirty="0" err="1"/>
+              <a:t>each</a:t>
             </a:r>
             <a:r>
               <a:rPr lang="sv-SE" dirty="0"/>
@@ -18893,70 +19019,19 @@
             </a:r>
             <a:r>
               <a:rPr lang="sv-SE" dirty="0" err="1"/>
-              <a:t>docs</a:t>
-            </a:r>
-            <a:r>
-              <a:rPr lang="sv-SE" dirty="0"/>
-              <a:t> to </a:t>
-            </a:r>
-            <a:r>
-              <a:rPr lang="sv-SE" dirty="0" err="1"/>
-              <a:t>expose</a:t>
-            </a:r>
-            <a:r>
-              <a:rPr lang="sv-SE" dirty="0"/>
-              <a:t> </a:t>
-            </a:r>
-            <a:r>
-              <a:rPr lang="sv-SE" dirty="0" err="1"/>
-              <a:t>your</a:t>
-            </a:r>
-            <a:r>
-              <a:rPr lang="sv-SE" dirty="0"/>
-              <a:t> </a:t>
-            </a:r>
-            <a:r>
-              <a:rPr lang="sv-SE" dirty="0" err="1"/>
-              <a:t>httpd</a:t>
-            </a:r>
-            <a:r>
-              <a:rPr lang="sv-SE" dirty="0"/>
-              <a:t> </a:t>
-            </a:r>
-            <a:r>
-              <a:rPr lang="sv-SE" dirty="0" err="1"/>
-              <a:t>pod</a:t>
-            </a:r>
-            <a:r>
-              <a:rPr lang="sv-SE" dirty="0"/>
-              <a:t> </a:t>
-            </a:r>
-            <a:r>
-              <a:rPr lang="sv-SE" dirty="0" err="1"/>
-              <a:t>externally</a:t>
-            </a:r>
-            <a:r>
-              <a:rPr lang="sv-SE" dirty="0"/>
-              <a:t> </a:t>
-            </a:r>
-            <a:r>
-              <a:rPr lang="sv-SE" dirty="0" err="1"/>
-              <a:t>outside</a:t>
-            </a:r>
-            <a:r>
-              <a:rPr lang="sv-SE" dirty="0"/>
-              <a:t> the cluster.</a:t>
-            </a:r>
-          </a:p>
-          <a:p>
-            <a:endParaRPr lang="en-SE" dirty="0"/>
+              <a:t>object</a:t>
+            </a:r>
+            <a:r>
+              <a:rPr lang="sv-SE" dirty="0"/>
+              <a:t>.</a:t>
+            </a:r>
           </a:p>
         </p:txBody>
       </p:sp>
     </p:spTree>
     <p:extLst>
       <p:ext uri="{BB962C8B-B14F-4D97-AF65-F5344CB8AC3E}">
-        <p14:creationId xmlns:p14="http://schemas.microsoft.com/office/powerpoint/2010/main" val="2602699626"/>
+        <p14:creationId xmlns:p14="http://schemas.microsoft.com/office/powerpoint/2010/main" val="4122000488"/>
       </p:ext>
     </p:extLst>
   </p:cSld>
@@ -18988,7 +19063,7 @@
           <p:cNvPr id="2" name="Rubrik 1">
             <a:extLst>
               <a:ext uri="{FF2B5EF4-FFF2-40B4-BE49-F238E27FC236}">
-                <a16:creationId xmlns:a16="http://schemas.microsoft.com/office/drawing/2014/main" id="{93A32C19-491E-45CD-9AFF-5D0852DAA8E4}"/>
+                <a16:creationId xmlns:a16="http://schemas.microsoft.com/office/drawing/2014/main" id="{9C2D4C96-6092-44F8-896C-06E9DD9A9862}"/>
               </a:ext>
             </a:extLst>
           </p:cNvPr>
@@ -19018,7 +19093,7 @@
           <p:cNvPr id="3" name="Platshållare för innehåll 2">
             <a:extLst>
               <a:ext uri="{FF2B5EF4-FFF2-40B4-BE49-F238E27FC236}">
-                <a16:creationId xmlns:a16="http://schemas.microsoft.com/office/drawing/2014/main" id="{27B2FAA5-E1F3-48C0-8B76-67ACDE860765}"/>
+                <a16:creationId xmlns:a16="http://schemas.microsoft.com/office/drawing/2014/main" id="{B93F35EE-9C06-4572-B8D0-1A4AECE9530D}"/>
               </a:ext>
             </a:extLst>
           </p:cNvPr>
@@ -19031,172 +19106,6 @@
         </p:nvSpPr>
         <p:spPr/>
         <p:txBody>
-          <a:bodyPr/>
-          <a:lstStyle/>
-          <a:p>
-            <a:r>
-              <a:rPr lang="sv-SE" dirty="0"/>
-              <a:t>Make a digital drawing of all the kubernetes objects and the relationsship between them.</a:t>
-            </a:r>
-          </a:p>
-          <a:p>
-            <a:r>
-              <a:rPr lang="sv-SE" dirty="0"/>
-              <a:t>Read the </a:t>
-            </a:r>
-            <a:r>
-              <a:rPr lang="sv-SE" dirty="0" err="1"/>
-              <a:t>kubernetes</a:t>
-            </a:r>
-            <a:r>
-              <a:rPr lang="sv-SE" dirty="0"/>
-              <a:t> </a:t>
-            </a:r>
-            <a:r>
-              <a:rPr lang="sv-SE" dirty="0" err="1"/>
-              <a:t>documentation</a:t>
-            </a:r>
-            <a:r>
-              <a:rPr lang="sv-SE" dirty="0"/>
-              <a:t> for </a:t>
-            </a:r>
-            <a:r>
-              <a:rPr lang="sv-SE" dirty="0" err="1"/>
-              <a:t>each</a:t>
-            </a:r>
-            <a:r>
-              <a:rPr lang="sv-SE" dirty="0"/>
-              <a:t> </a:t>
-            </a:r>
-            <a:r>
-              <a:rPr lang="sv-SE" dirty="0" err="1"/>
-              <a:t>object</a:t>
-            </a:r>
-            <a:r>
-              <a:rPr lang="sv-SE" dirty="0"/>
-              <a:t>, and </a:t>
-            </a:r>
-            <a:r>
-              <a:rPr lang="sv-SE" dirty="0" err="1"/>
-              <a:t>summarize</a:t>
-            </a:r>
-            <a:r>
-              <a:rPr lang="sv-SE" dirty="0"/>
-              <a:t> the </a:t>
-            </a:r>
-            <a:r>
-              <a:rPr lang="sv-SE" dirty="0" err="1"/>
-              <a:t>specific</a:t>
-            </a:r>
-            <a:r>
-              <a:rPr lang="sv-SE" dirty="0"/>
-              <a:t> </a:t>
-            </a:r>
-            <a:r>
-              <a:rPr lang="sv-SE" dirty="0" err="1"/>
-              <a:t>goal</a:t>
-            </a:r>
-            <a:r>
-              <a:rPr lang="sv-SE" dirty="0"/>
-              <a:t> for </a:t>
-            </a:r>
-            <a:r>
-              <a:rPr lang="sv-SE" dirty="0" err="1"/>
-              <a:t>each</a:t>
-            </a:r>
-            <a:r>
-              <a:rPr lang="sv-SE" dirty="0"/>
-              <a:t> </a:t>
-            </a:r>
-            <a:r>
-              <a:rPr lang="sv-SE" dirty="0" err="1"/>
-              <a:t>object</a:t>
-            </a:r>
-            <a:r>
-              <a:rPr lang="sv-SE" dirty="0"/>
-              <a:t>.</a:t>
-            </a:r>
-          </a:p>
-        </p:txBody>
-      </p:sp>
-    </p:spTree>
-    <p:extLst>
-      <p:ext uri="{BB962C8B-B14F-4D97-AF65-F5344CB8AC3E}">
-        <p14:creationId xmlns:p14="http://schemas.microsoft.com/office/powerpoint/2010/main" val="4122000488"/>
-      </p:ext>
-    </p:extLst>
-  </p:cSld>
-  <p:clrMapOvr>
-    <a:masterClrMapping/>
-  </p:clrMapOvr>
-</p:sld>
-</file>
-
-<file path=ppt/slides/slide42.xml><?xml version="1.0" encoding="utf-8"?>
-<p:sld xmlns:a="http://schemas.openxmlformats.org/drawingml/2006/main" xmlns:r="http://schemas.openxmlformats.org/officeDocument/2006/relationships" xmlns:p="http://schemas.openxmlformats.org/presentationml/2006/main">
-  <p:cSld>
-    <p:spTree>
-      <p:nvGrpSpPr>
-        <p:cNvPr id="1" name=""/>
-        <p:cNvGrpSpPr/>
-        <p:nvPr/>
-      </p:nvGrpSpPr>
-      <p:grpSpPr>
-        <a:xfrm>
-          <a:off x="0" y="0"/>
-          <a:ext cx="0" cy="0"/>
-          <a:chOff x="0" y="0"/>
-          <a:chExt cx="0" cy="0"/>
-        </a:xfrm>
-      </p:grpSpPr>
-      <p:sp>
-        <p:nvSpPr>
-          <p:cNvPr id="2" name="Rubrik 1">
-            <a:extLst>
-              <a:ext uri="{FF2B5EF4-FFF2-40B4-BE49-F238E27FC236}">
-                <a16:creationId xmlns:a16="http://schemas.microsoft.com/office/drawing/2014/main" id="{9C2D4C96-6092-44F8-896C-06E9DD9A9862}"/>
-              </a:ext>
-            </a:extLst>
-          </p:cNvPr>
-          <p:cNvSpPr>
-            <a:spLocks noGrp="1"/>
-          </p:cNvSpPr>
-          <p:nvPr>
-            <p:ph type="title"/>
-          </p:nvPr>
-        </p:nvSpPr>
-        <p:spPr/>
-        <p:txBody>
-          <a:bodyPr/>
-          <a:lstStyle/>
-          <a:p>
-            <a:pPr algn="ctr"/>
-            <a:r>
-              <a:rPr lang="sv-SE" dirty="0"/>
-              <a:t>Challenge</a:t>
-            </a:r>
-            <a:endParaRPr lang="en-SE" dirty="0"/>
-          </a:p>
-        </p:txBody>
-      </p:sp>
-      <p:sp>
-        <p:nvSpPr>
-          <p:cNvPr id="3" name="Platshållare för innehåll 2">
-            <a:extLst>
-              <a:ext uri="{FF2B5EF4-FFF2-40B4-BE49-F238E27FC236}">
-                <a16:creationId xmlns:a16="http://schemas.microsoft.com/office/drawing/2014/main" id="{B93F35EE-9C06-4572-B8D0-1A4AECE9530D}"/>
-              </a:ext>
-            </a:extLst>
-          </p:cNvPr>
-          <p:cNvSpPr>
-            <a:spLocks noGrp="1"/>
-          </p:cNvSpPr>
-          <p:nvPr>
-            <p:ph idx="1"/>
-          </p:nvPr>
-        </p:nvSpPr>
-        <p:spPr/>
-        <p:txBody>
           <a:bodyPr>
             <a:normAutofit/>
           </a:bodyPr>
@@ -19289,121 +19198,6 @@
     <p:extLst>
       <p:ext uri="{BB962C8B-B14F-4D97-AF65-F5344CB8AC3E}">
         <p14:creationId xmlns:p14="http://schemas.microsoft.com/office/powerpoint/2010/main" val="477969245"/>
-      </p:ext>
-    </p:extLst>
-  </p:cSld>
-  <p:clrMapOvr>
-    <a:masterClrMapping/>
-  </p:clrMapOvr>
-</p:sld>
-</file>
-
-<file path=ppt/slides/slide43.xml><?xml version="1.0" encoding="utf-8"?>
-<p:sld xmlns:a="http://schemas.openxmlformats.org/drawingml/2006/main" xmlns:r="http://schemas.openxmlformats.org/officeDocument/2006/relationships" xmlns:p="http://schemas.openxmlformats.org/presentationml/2006/main">
-  <p:cSld>
-    <p:spTree>
-      <p:nvGrpSpPr>
-        <p:cNvPr id="1" name=""/>
-        <p:cNvGrpSpPr/>
-        <p:nvPr/>
-      </p:nvGrpSpPr>
-      <p:grpSpPr>
-        <a:xfrm>
-          <a:off x="0" y="0"/>
-          <a:ext cx="0" cy="0"/>
-          <a:chOff x="0" y="0"/>
-          <a:chExt cx="0" cy="0"/>
-        </a:xfrm>
-      </p:grpSpPr>
-      <p:sp>
-        <p:nvSpPr>
-          <p:cNvPr id="2" name="Title 1">
-            <a:extLst>
-              <a:ext uri="{FF2B5EF4-FFF2-40B4-BE49-F238E27FC236}">
-                <a16:creationId xmlns:a16="http://schemas.microsoft.com/office/drawing/2014/main" id="{ADE14F0C-F806-8EF8-E85B-A43702EEB97C}"/>
-              </a:ext>
-            </a:extLst>
-          </p:cNvPr>
-          <p:cNvSpPr>
-            <a:spLocks noGrp="1"/>
-          </p:cNvSpPr>
-          <p:nvPr>
-            <p:ph type="title"/>
-          </p:nvPr>
-        </p:nvSpPr>
-        <p:spPr/>
-        <p:txBody>
-          <a:bodyPr/>
-          <a:lstStyle/>
-          <a:p>
-            <a:pPr algn="ctr"/>
-            <a:r>
-              <a:rPr lang="en-US" dirty="0"/>
-              <a:t>Hands on Practice</a:t>
-            </a:r>
-          </a:p>
-        </p:txBody>
-      </p:sp>
-      <p:sp>
-        <p:nvSpPr>
-          <p:cNvPr id="3" name="Content Placeholder 2">
-            <a:extLst>
-              <a:ext uri="{FF2B5EF4-FFF2-40B4-BE49-F238E27FC236}">
-                <a16:creationId xmlns:a16="http://schemas.microsoft.com/office/drawing/2014/main" id="{3C1A1934-8123-948E-C443-735656448A1C}"/>
-              </a:ext>
-            </a:extLst>
-          </p:cNvPr>
-          <p:cNvSpPr>
-            <a:spLocks noGrp="1"/>
-          </p:cNvSpPr>
-          <p:nvPr>
-            <p:ph idx="1"/>
-          </p:nvPr>
-        </p:nvSpPr>
-        <p:spPr/>
-        <p:txBody>
-          <a:bodyPr/>
-          <a:lstStyle/>
-          <a:p>
-            <a:r>
-              <a:rPr lang="en-US" dirty="0"/>
-              <a:t>Learn the basic of the </a:t>
-            </a:r>
-            <a:r>
-              <a:rPr lang="en-US" dirty="0" err="1"/>
-              <a:t>kubectl</a:t>
-            </a:r>
-            <a:r>
-              <a:rPr lang="en-US" dirty="0"/>
-              <a:t> CLI:</a:t>
-            </a:r>
-          </a:p>
-          <a:p>
-            <a:pPr lvl="1"/>
-            <a:r>
-              <a:rPr lang="en-US" dirty="0">
-                <a:hlinkClick r:id="rId2"/>
-              </a:rPr>
-              <a:t>https://kubernetes.io/docs/reference/generated/kubectl/kubectl-commands</a:t>
-            </a:r>
-            <a:endParaRPr lang="en-US" dirty="0"/>
-          </a:p>
-          <a:p>
-            <a:r>
-              <a:rPr lang="en-US" dirty="0"/>
-              <a:t>Then practice at:</a:t>
-            </a:r>
-          </a:p>
-          <a:p>
-            <a:pPr lvl="1"/>
-            <a:endParaRPr lang="en-US" dirty="0"/>
-          </a:p>
-        </p:txBody>
-      </p:sp>
-    </p:spTree>
-    <p:extLst>
-      <p:ext uri="{BB962C8B-B14F-4D97-AF65-F5344CB8AC3E}">
-        <p14:creationId xmlns:p14="http://schemas.microsoft.com/office/powerpoint/2010/main" val="4184353467"/>
       </p:ext>
     </p:extLst>
   </p:cSld>
@@ -19894,10 +19688,9 @@
               <a:t>cpu</a:t>
             </a:r>
             <a:r>
-              <a:rPr lang="en-US"/>
+              <a:rPr lang="en-US" dirty="0"/>
               <a:t> settings)</a:t>
             </a:r>
-            <a:endParaRPr lang="en-US" dirty="0"/>
           </a:p>
           <a:p>
             <a:r>
@@ -19918,15 +19711,13 @@
             </a:r>
             <a:r>
               <a:rPr lang="en-US" dirty="0"/>
-              <a:t> </a:t>
-            </a:r>
-            <a:r>
-              <a:rPr lang="en-US" dirty="0" err="1"/>
-              <a:t>subsustems</a:t>
-            </a:r>
+              <a:t> subsystems if running on windows. (You can google how to do it)</a:t>
+            </a:r>
+          </a:p>
+          <a:p>
             <a:r>
               <a:rPr lang="en-US" dirty="0"/>
-              <a:t> if running on windows. (You can google how to do it)</a:t>
+              <a:t>Docker desktop contains a small Kubernetes cluster with 1 node.</a:t>
             </a:r>
           </a:p>
         </p:txBody>
@@ -19961,153 +19752,111 @@
           <a:chExt cx="0" cy="0"/>
         </a:xfrm>
       </p:grpSpPr>
-      <p:sp>
-        <p:nvSpPr>
-          <p:cNvPr id="2" name="Title 1">
-            <a:extLst>
-              <a:ext uri="{FF2B5EF4-FFF2-40B4-BE49-F238E27FC236}">
-                <a16:creationId xmlns:a16="http://schemas.microsoft.com/office/drawing/2014/main" id="{555BA68D-C1B3-6174-BAB4-C9BA92FA800A}"/>
-              </a:ext>
-            </a:extLst>
-          </p:cNvPr>
-          <p:cNvSpPr>
-            <a:spLocks noGrp="1"/>
-          </p:cNvSpPr>
-          <p:nvPr>
-            <p:ph type="title"/>
-          </p:nvPr>
-        </p:nvSpPr>
-        <p:spPr>
-          <a:xfrm>
-            <a:off x="838200" y="585216"/>
-            <a:ext cx="10515600" cy="1325563"/>
-          </a:xfrm>
-        </p:spPr>
-        <p:txBody>
-          <a:bodyPr>
-            <a:normAutofit/>
-          </a:bodyPr>
-          <a:lstStyle/>
-          <a:p>
-            <a:r>
-              <a:rPr lang="en-US">
-                <a:solidFill>
-                  <a:schemeClr val="bg1"/>
-                </a:solidFill>
-              </a:rPr>
-              <a:t>Mankier documentation</a:t>
-            </a:r>
-          </a:p>
-        </p:txBody>
-      </p:sp>
-      <p:sp>
-        <p:nvSpPr>
-          <p:cNvPr id="3" name="Content Placeholder 2">
-            <a:extLst>
-              <a:ext uri="{FF2B5EF4-FFF2-40B4-BE49-F238E27FC236}">
-                <a16:creationId xmlns:a16="http://schemas.microsoft.com/office/drawing/2014/main" id="{905B3CCF-610F-E4E8-E53A-DC690F21E6B5}"/>
-              </a:ext>
-            </a:extLst>
-          </p:cNvPr>
-          <p:cNvSpPr>
-            <a:spLocks noGrp="1"/>
-          </p:cNvSpPr>
+      <p:pic>
+        <p:nvPicPr>
+          <p:cNvPr id="5" name="Content Placeholder 4" descr="Graphical user interface, application&#10;&#10;Description automatically generated">
+            <a:extLst>
+              <a:ext uri="{FF2B5EF4-FFF2-40B4-BE49-F238E27FC236}">
+                <a16:creationId xmlns:a16="http://schemas.microsoft.com/office/drawing/2014/main" id="{55E0D6DC-1BB8-F17A-C425-EEC203A7B263}"/>
+              </a:ext>
+            </a:extLst>
+          </p:cNvPr>
+          <p:cNvPicPr>
+            <a:picLocks noGrp="1" noChangeAspect="1"/>
+          </p:cNvPicPr>
           <p:nvPr>
             <p:ph idx="1"/>
           </p:nvPr>
-        </p:nvSpPr>
-        <p:spPr>
-          <a:xfrm>
-            <a:off x="475560" y="2278717"/>
-            <a:ext cx="3937943" cy="4042977"/>
-          </a:xfrm>
-        </p:spPr>
-        <p:txBody>
-          <a:bodyPr anchor="ctr">
-            <a:normAutofit/>
-          </a:bodyPr>
-          <a:lstStyle/>
-          <a:p>
-            <a:r>
-              <a:rPr lang="en-US" sz="2200" dirty="0"/>
-              <a:t>Using </a:t>
-            </a:r>
-            <a:r>
-              <a:rPr lang="en-US" sz="2200" dirty="0">
-                <a:hlinkClick r:id="rId2"/>
-              </a:rPr>
-              <a:t>www.mankier.com</a:t>
-            </a:r>
-            <a:endParaRPr lang="en-US" sz="2200" dirty="0"/>
-          </a:p>
-          <a:p>
-            <a:pPr lvl="1"/>
-            <a:r>
-              <a:rPr lang="en-US" sz="2200" dirty="0"/>
-              <a:t>You can search for almost any command in </a:t>
-            </a:r>
-            <a:r>
-              <a:rPr lang="en-US" sz="2200" dirty="0" err="1"/>
-              <a:t>linux</a:t>
-            </a:r>
-            <a:r>
-              <a:rPr lang="en-US" sz="2200" dirty="0"/>
-              <a:t> and get examples</a:t>
-            </a:r>
-          </a:p>
-          <a:p>
-            <a:pPr lvl="1"/>
-            <a:r>
-              <a:rPr lang="en-US" sz="2200" dirty="0"/>
-              <a:t>Documentation is translated from man pages to readable html5</a:t>
-            </a:r>
-          </a:p>
-          <a:p>
-            <a:pPr lvl="1"/>
-            <a:r>
-              <a:rPr lang="en-US" sz="2200" dirty="0"/>
-              <a:t>You can even use it for docker, Kubernetes and many other tools</a:t>
-            </a:r>
-          </a:p>
-          <a:p>
-            <a:endParaRPr lang="en-US" sz="2200" dirty="0"/>
-          </a:p>
-        </p:txBody>
-      </p:sp>
-      <p:pic>
-        <p:nvPicPr>
-          <p:cNvPr id="7" name="Picture 6" descr="Graphical user interface, text, application, email&#10;&#10;Description automatically generated">
-            <a:extLst>
-              <a:ext uri="{FF2B5EF4-FFF2-40B4-BE49-F238E27FC236}">
-                <a16:creationId xmlns:a16="http://schemas.microsoft.com/office/drawing/2014/main" id="{DAD358B4-CBAF-F604-0A65-05AD9E2BBB88}"/>
-              </a:ext>
-            </a:extLst>
-          </p:cNvPr>
-          <p:cNvPicPr>
-            <a:picLocks noChangeAspect="1"/>
-          </p:cNvPicPr>
-          <p:nvPr/>
         </p:nvPicPr>
-        <p:blipFill>
-          <a:blip r:embed="rId3"/>
-          <a:stretch>
-            <a:fillRect/>
-          </a:stretch>
+        <p:blipFill rotWithShape="1">
+          <a:blip r:embed="rId2"/>
+          <a:srcRect t="2337" b="279"/>
+          <a:stretch/>
         </p:blipFill>
         <p:spPr>
           <a:xfrm>
-            <a:off x="4581607" y="2278717"/>
-            <a:ext cx="7260974" cy="4265655"/>
+            <a:off x="20" y="1282"/>
+            <a:ext cx="12191980" cy="6856718"/>
           </a:xfrm>
           <a:prstGeom prst="rect">
             <a:avLst/>
           </a:prstGeom>
         </p:spPr>
       </p:pic>
+      <p:sp>
+        <p:nvSpPr>
+          <p:cNvPr id="2" name="TextBox 1">
+            <a:extLst>
+              <a:ext uri="{FF2B5EF4-FFF2-40B4-BE49-F238E27FC236}">
+                <a16:creationId xmlns:a16="http://schemas.microsoft.com/office/drawing/2014/main" id="{DCDE7D14-1665-7331-099D-5A897CE2EDA3}"/>
+              </a:ext>
+            </a:extLst>
+          </p:cNvPr>
+          <p:cNvSpPr txBox="1"/>
+          <p:nvPr/>
+        </p:nvSpPr>
+        <p:spPr>
+          <a:xfrm>
+            <a:off x="9929945" y="1862253"/>
+            <a:ext cx="1507529" cy="369332"/>
+          </a:xfrm>
+          <a:prstGeom prst="rect">
+            <a:avLst/>
+          </a:prstGeom>
+          <a:noFill/>
+        </p:spPr>
+        <p:txBody>
+          <a:bodyPr wrap="none" rtlCol="0">
+            <a:spAutoFit/>
+          </a:bodyPr>
+          <a:lstStyle/>
+          <a:p>
+            <a:r>
+              <a:rPr lang="en-US" dirty="0"/>
+              <a:t>Public registry</a:t>
+            </a:r>
+          </a:p>
+        </p:txBody>
+      </p:sp>
+      <p:sp>
+        <p:nvSpPr>
+          <p:cNvPr id="4" name="TextBox 3">
+            <a:extLst>
+              <a:ext uri="{FF2B5EF4-FFF2-40B4-BE49-F238E27FC236}">
+                <a16:creationId xmlns:a16="http://schemas.microsoft.com/office/drawing/2014/main" id="{1191DEB7-3547-A256-0D8B-C73C1D69C90B}"/>
+              </a:ext>
+            </a:extLst>
+          </p:cNvPr>
+          <p:cNvSpPr txBox="1"/>
+          <p:nvPr/>
+        </p:nvSpPr>
+        <p:spPr>
+          <a:xfrm>
+            <a:off x="9865536" y="5709424"/>
+            <a:ext cx="1636345" cy="369332"/>
+          </a:xfrm>
+          <a:prstGeom prst="rect">
+            <a:avLst/>
+          </a:prstGeom>
+          <a:noFill/>
+        </p:spPr>
+        <p:txBody>
+          <a:bodyPr wrap="none" rtlCol="0">
+            <a:spAutoFit/>
+          </a:bodyPr>
+          <a:lstStyle/>
+          <a:p>
+            <a:r>
+              <a:rPr lang="en-US" dirty="0"/>
+              <a:t>Private Registry</a:t>
+            </a:r>
+          </a:p>
+        </p:txBody>
+      </p:sp>
     </p:spTree>
     <p:extLst>
       <p:ext uri="{BB962C8B-B14F-4D97-AF65-F5344CB8AC3E}">
-        <p14:creationId xmlns:p14="http://schemas.microsoft.com/office/powerpoint/2010/main" val="3018378125"/>
+        <p14:creationId xmlns:p14="http://schemas.microsoft.com/office/powerpoint/2010/main" val="3420003066"/>
       </p:ext>
     </p:extLst>
   </p:cSld>

--- a/session-1/session-1.pptx
+++ b/session-1/session-1.pptx
@@ -3517,7 +3517,7 @@
           <a:p>
             <a:fld id="{4EF09EDD-FF1C-48AF-A58B-AF6401779CF7}" type="datetimeFigureOut">
               <a:rPr lang="en-US" smtClean="0"/>
-              <a:t>10/27/22</a:t>
+              <a:t>10/28/22</a:t>
             </a:fld>
             <a:endParaRPr lang="en-US"/>
           </a:p>
@@ -3715,7 +3715,7 @@
           <a:p>
             <a:fld id="{4EF09EDD-FF1C-48AF-A58B-AF6401779CF7}" type="datetimeFigureOut">
               <a:rPr lang="en-US" smtClean="0"/>
-              <a:t>10/27/22</a:t>
+              <a:t>10/28/22</a:t>
             </a:fld>
             <a:endParaRPr lang="en-US"/>
           </a:p>
@@ -3923,7 +3923,7 @@
           <a:p>
             <a:fld id="{4EF09EDD-FF1C-48AF-A58B-AF6401779CF7}" type="datetimeFigureOut">
               <a:rPr lang="en-US" smtClean="0"/>
-              <a:t>10/27/22</a:t>
+              <a:t>10/28/22</a:t>
             </a:fld>
             <a:endParaRPr lang="en-US"/>
           </a:p>
@@ -4145,7 +4145,7 @@
           <a:p>
             <a:fld id="{11D84505-03DB-1D4F-A4A3-607788BEDF83}" type="datetimeFigureOut">
               <a:rPr lang="en-US" smtClean="0"/>
-              <a:t>10/27/22</a:t>
+              <a:t>10/28/22</a:t>
             </a:fld>
             <a:endParaRPr lang="en-US"/>
           </a:p>
@@ -4345,7 +4345,7 @@
           <a:p>
             <a:fld id="{11D84505-03DB-1D4F-A4A3-607788BEDF83}" type="datetimeFigureOut">
               <a:rPr lang="en-US" smtClean="0"/>
-              <a:t>10/27/22</a:t>
+              <a:t>10/28/22</a:t>
             </a:fld>
             <a:endParaRPr lang="en-US"/>
           </a:p>
@@ -4621,7 +4621,7 @@
           <a:p>
             <a:fld id="{11D84505-03DB-1D4F-A4A3-607788BEDF83}" type="datetimeFigureOut">
               <a:rPr lang="en-US" smtClean="0"/>
-              <a:t>10/27/22</a:t>
+              <a:t>10/28/22</a:t>
             </a:fld>
             <a:endParaRPr lang="en-US"/>
           </a:p>
@@ -4889,7 +4889,7 @@
           <a:p>
             <a:fld id="{11D84505-03DB-1D4F-A4A3-607788BEDF83}" type="datetimeFigureOut">
               <a:rPr lang="en-US" smtClean="0"/>
-              <a:t>10/27/22</a:t>
+              <a:t>10/28/22</a:t>
             </a:fld>
             <a:endParaRPr lang="en-US"/>
           </a:p>
@@ -5304,7 +5304,7 @@
           <a:p>
             <a:fld id="{11D84505-03DB-1D4F-A4A3-607788BEDF83}" type="datetimeFigureOut">
               <a:rPr lang="en-US" smtClean="0"/>
-              <a:t>10/27/22</a:t>
+              <a:t>10/28/22</a:t>
             </a:fld>
             <a:endParaRPr lang="en-US"/>
           </a:p>
@@ -5446,7 +5446,7 @@
           <a:p>
             <a:fld id="{11D84505-03DB-1D4F-A4A3-607788BEDF83}" type="datetimeFigureOut">
               <a:rPr lang="en-US" smtClean="0"/>
-              <a:t>10/27/22</a:t>
+              <a:t>10/28/22</a:t>
             </a:fld>
             <a:endParaRPr lang="en-US"/>
           </a:p>
@@ -5559,7 +5559,7 @@
           <a:p>
             <a:fld id="{11D84505-03DB-1D4F-A4A3-607788BEDF83}" type="datetimeFigureOut">
               <a:rPr lang="en-US" smtClean="0"/>
-              <a:t>10/27/22</a:t>
+              <a:t>10/28/22</a:t>
             </a:fld>
             <a:endParaRPr lang="en-US"/>
           </a:p>
@@ -5872,7 +5872,7 @@
           <a:p>
             <a:fld id="{11D84505-03DB-1D4F-A4A3-607788BEDF83}" type="datetimeFigureOut">
               <a:rPr lang="en-US" smtClean="0"/>
-              <a:t>10/27/22</a:t>
+              <a:t>10/28/22</a:t>
             </a:fld>
             <a:endParaRPr lang="en-US"/>
           </a:p>
@@ -6070,7 +6070,7 @@
           <a:p>
             <a:fld id="{4EF09EDD-FF1C-48AF-A58B-AF6401779CF7}" type="datetimeFigureOut">
               <a:rPr lang="en-US" smtClean="0"/>
-              <a:t>10/27/22</a:t>
+              <a:t>10/28/22</a:t>
             </a:fld>
             <a:endParaRPr lang="en-US"/>
           </a:p>
@@ -6359,7 +6359,7 @@
           <a:p>
             <a:fld id="{11D84505-03DB-1D4F-A4A3-607788BEDF83}" type="datetimeFigureOut">
               <a:rPr lang="en-US" smtClean="0"/>
-              <a:t>10/27/22</a:t>
+              <a:t>10/28/22</a:t>
             </a:fld>
             <a:endParaRPr lang="en-US"/>
           </a:p>
@@ -6559,7 +6559,7 @@
           <a:p>
             <a:fld id="{11D84505-03DB-1D4F-A4A3-607788BEDF83}" type="datetimeFigureOut">
               <a:rPr lang="en-US" smtClean="0"/>
-              <a:t>10/27/22</a:t>
+              <a:t>10/28/22</a:t>
             </a:fld>
             <a:endParaRPr lang="en-US"/>
           </a:p>
@@ -6769,7 +6769,7 @@
           <a:p>
             <a:fld id="{11D84505-03DB-1D4F-A4A3-607788BEDF83}" type="datetimeFigureOut">
               <a:rPr lang="en-US" smtClean="0"/>
-              <a:t>10/27/22</a:t>
+              <a:t>10/28/22</a:t>
             </a:fld>
             <a:endParaRPr lang="en-US"/>
           </a:p>
@@ -7044,7 +7044,7 @@
           <a:p>
             <a:fld id="{4EF09EDD-FF1C-48AF-A58B-AF6401779CF7}" type="datetimeFigureOut">
               <a:rPr lang="en-US" smtClean="0"/>
-              <a:t>10/27/22</a:t>
+              <a:t>10/28/22</a:t>
             </a:fld>
             <a:endParaRPr lang="en-US"/>
           </a:p>
@@ -7309,7 +7309,7 @@
           <a:p>
             <a:fld id="{4EF09EDD-FF1C-48AF-A58B-AF6401779CF7}" type="datetimeFigureOut">
               <a:rPr lang="en-US" smtClean="0"/>
-              <a:t>10/27/22</a:t>
+              <a:t>10/28/22</a:t>
             </a:fld>
             <a:endParaRPr lang="en-US"/>
           </a:p>
@@ -7721,7 +7721,7 @@
           <a:p>
             <a:fld id="{4EF09EDD-FF1C-48AF-A58B-AF6401779CF7}" type="datetimeFigureOut">
               <a:rPr lang="en-US" smtClean="0"/>
-              <a:t>10/27/22</a:t>
+              <a:t>10/28/22</a:t>
             </a:fld>
             <a:endParaRPr lang="en-US"/>
           </a:p>
@@ -7862,7 +7862,7 @@
           <a:p>
             <a:fld id="{4EF09EDD-FF1C-48AF-A58B-AF6401779CF7}" type="datetimeFigureOut">
               <a:rPr lang="en-US" smtClean="0"/>
-              <a:t>10/27/22</a:t>
+              <a:t>10/28/22</a:t>
             </a:fld>
             <a:endParaRPr lang="en-US"/>
           </a:p>
@@ -7975,7 +7975,7 @@
           <a:p>
             <a:fld id="{4EF09EDD-FF1C-48AF-A58B-AF6401779CF7}" type="datetimeFigureOut">
               <a:rPr lang="en-US" smtClean="0"/>
-              <a:t>10/27/22</a:t>
+              <a:t>10/28/22</a:t>
             </a:fld>
             <a:endParaRPr lang="en-US"/>
           </a:p>
@@ -8286,7 +8286,7 @@
           <a:p>
             <a:fld id="{4EF09EDD-FF1C-48AF-A58B-AF6401779CF7}" type="datetimeFigureOut">
               <a:rPr lang="en-US" smtClean="0"/>
-              <a:t>10/27/22</a:t>
+              <a:t>10/28/22</a:t>
             </a:fld>
             <a:endParaRPr lang="en-US"/>
           </a:p>
@@ -8574,7 +8574,7 @@
           <a:p>
             <a:fld id="{4EF09EDD-FF1C-48AF-A58B-AF6401779CF7}" type="datetimeFigureOut">
               <a:rPr lang="en-US" smtClean="0"/>
-              <a:t>10/27/22</a:t>
+              <a:t>10/28/22</a:t>
             </a:fld>
             <a:endParaRPr lang="en-US"/>
           </a:p>
@@ -8815,7 +8815,7 @@
           <a:p>
             <a:fld id="{4EF09EDD-FF1C-48AF-A58B-AF6401779CF7}" type="datetimeFigureOut">
               <a:rPr lang="en-US" smtClean="0"/>
-              <a:t>10/27/22</a:t>
+              <a:t>10/28/22</a:t>
             </a:fld>
             <a:endParaRPr lang="en-US"/>
           </a:p>
@@ -9385,7 +9385,7 @@
           <a:p>
             <a:fld id="{11D84505-03DB-1D4F-A4A3-607788BEDF83}" type="datetimeFigureOut">
               <a:rPr lang="en-US" smtClean="0"/>
-              <a:t>10/27/22</a:t>
+              <a:t>10/28/22</a:t>
             </a:fld>
             <a:endParaRPr lang="en-US"/>
           </a:p>
@@ -18376,102 +18376,6 @@
           <a:xfrm flipH="1">
             <a:off x="4813300" y="4305300"/>
             <a:ext cx="2324100" cy="412750"/>
-          </a:xfrm>
-          <a:prstGeom prst="straightConnector1">
-            <a:avLst/>
-          </a:prstGeom>
-          <a:ln>
-            <a:tailEnd type="triangle"/>
-          </a:ln>
-        </p:spPr>
-        <p:style>
-          <a:lnRef idx="1">
-            <a:schemeClr val="accent1"/>
-          </a:lnRef>
-          <a:fillRef idx="0">
-            <a:schemeClr val="accent1"/>
-          </a:fillRef>
-          <a:effectRef idx="0">
-            <a:schemeClr val="accent1"/>
-          </a:effectRef>
-          <a:fontRef idx="minor">
-            <a:schemeClr val="tx1"/>
-          </a:fontRef>
-        </p:style>
-      </p:cxnSp>
-      <p:sp>
-        <p:nvSpPr>
-          <p:cNvPr id="11" name="textruta 10">
-            <a:extLst>
-              <a:ext uri="{FF2B5EF4-FFF2-40B4-BE49-F238E27FC236}">
-                <a16:creationId xmlns:a16="http://schemas.microsoft.com/office/drawing/2014/main" id="{83BBAE48-F808-4EFE-A1CE-ED9DE71F1BF2}"/>
-              </a:ext>
-            </a:extLst>
-          </p:cNvPr>
-          <p:cNvSpPr txBox="1"/>
-          <p:nvPr/>
-        </p:nvSpPr>
-        <p:spPr>
-          <a:xfrm>
-            <a:off x="8324850" y="2177534"/>
-            <a:ext cx="3321049" cy="646331"/>
-          </a:xfrm>
-          <a:prstGeom prst="rect">
-            <a:avLst/>
-          </a:prstGeom>
-          <a:noFill/>
-        </p:spPr>
-        <p:txBody>
-          <a:bodyPr wrap="square" rtlCol="0">
-            <a:spAutoFit/>
-          </a:bodyPr>
-          <a:lstStyle/>
-          <a:p>
-            <a:r>
-              <a:rPr lang="sv-SE" dirty="0" err="1"/>
-              <a:t>Our</a:t>
-            </a:r>
-            <a:r>
-              <a:rPr lang="sv-SE" dirty="0"/>
-              <a:t> </a:t>
-            </a:r>
-            <a:r>
-              <a:rPr lang="sv-SE" dirty="0" err="1"/>
-              <a:t>domain</a:t>
-            </a:r>
-            <a:r>
-              <a:rPr lang="sv-SE" dirty="0"/>
-              <a:t> is </a:t>
-            </a:r>
-            <a:r>
-              <a:rPr lang="sv-SE" dirty="0" err="1"/>
-              <a:t>always</a:t>
-            </a:r>
-            <a:r>
-              <a:rPr lang="sv-SE" dirty="0"/>
-              <a:t>: apps.aro-dev.intern.folksam.se</a:t>
-            </a:r>
-          </a:p>
-        </p:txBody>
-      </p:sp>
-      <p:cxnSp>
-        <p:nvCxnSpPr>
-          <p:cNvPr id="13" name="Rak pilkoppling 12">
-            <a:extLst>
-              <a:ext uri="{FF2B5EF4-FFF2-40B4-BE49-F238E27FC236}">
-                <a16:creationId xmlns:a16="http://schemas.microsoft.com/office/drawing/2014/main" id="{D3A740D5-AB5E-46E3-8A86-E3956EE5AC65}"/>
-              </a:ext>
-            </a:extLst>
-          </p:cNvPr>
-          <p:cNvCxnSpPr>
-            <a:cxnSpLocks/>
-          </p:cNvCxnSpPr>
-          <p:nvPr/>
-        </p:nvCxnSpPr>
-        <p:spPr>
-          <a:xfrm flipH="1">
-            <a:off x="7664450" y="2514600"/>
-            <a:ext cx="812800" cy="1117600"/>
           </a:xfrm>
           <a:prstGeom prst="straightConnector1">
             <a:avLst/>
